--- a/Discover Poster Session Template 2018 (1).pptx
+++ b/Discover Poster Session Template 2018 (1).pptx
@@ -5,13 +5,11 @@
     <p:sldMasterId id="2147483648" r:id="rId1"/>
   </p:sldMasterIdLst>
   <p:notesMasterIdLst>
-    <p:notesMasterId r:id="rId6"/>
+    <p:notesMasterId r:id="rId4"/>
   </p:notesMasterIdLst>
   <p:sldIdLst>
     <p:sldId id="259" r:id="rId2"/>
     <p:sldId id="258" r:id="rId3"/>
-    <p:sldId id="256" r:id="rId4"/>
-    <p:sldId id="257" r:id="rId5"/>
   </p:sldIdLst>
   <p:sldSz cx="21945600" cy="32918400"/>
   <p:notesSz cx="6858000" cy="9144000"/>
@@ -241,7 +239,7 @@
           <a:p>
             <a:fld id="{7C9D6335-85CC-4124-A3B2-98A55B8B9A41}" type="datetimeFigureOut">
               <a:rPr lang="en-US" smtClean="0"/>
-              <a:t>9/17/2018</a:t>
+              <a:t>9/20/2018</a:t>
             </a:fld>
             <a:endParaRPr lang="en-US"/>
           </a:p>
@@ -667,174 +665,6 @@
     <p:extLst>
       <p:ext uri="{BB962C8B-B14F-4D97-AF65-F5344CB8AC3E}">
         <p14:creationId xmlns:p14="http://schemas.microsoft.com/office/powerpoint/2010/main" val="3207131472"/>
-      </p:ext>
-    </p:extLst>
-  </p:cSld>
-  <p:clrMapOvr>
-    <a:masterClrMapping/>
-  </p:clrMapOvr>
-</p:notes>
-</file>
-
-<file path=ppt/notesSlides/notesSlide3.xml><?xml version="1.0" encoding="utf-8"?>
-<p:notes xmlns:a="http://schemas.openxmlformats.org/drawingml/2006/main" xmlns:r="http://schemas.openxmlformats.org/officeDocument/2006/relationships" xmlns:p="http://schemas.openxmlformats.org/presentationml/2006/main">
-  <p:cSld>
-    <p:spTree>
-      <p:nvGrpSpPr>
-        <p:cNvPr id="1" name=""/>
-        <p:cNvGrpSpPr/>
-        <p:nvPr/>
-      </p:nvGrpSpPr>
-      <p:grpSpPr>
-        <a:xfrm>
-          <a:off x="0" y="0"/>
-          <a:ext cx="0" cy="0"/>
-          <a:chOff x="0" y="0"/>
-          <a:chExt cx="0" cy="0"/>
-        </a:xfrm>
-      </p:grpSpPr>
-      <p:sp>
-        <p:nvSpPr>
-          <p:cNvPr id="2" name="Slide Image Placeholder 1"/>
-          <p:cNvSpPr>
-            <a:spLocks noGrp="1" noRot="1" noChangeAspect="1"/>
-          </p:cNvSpPr>
-          <p:nvPr>
-            <p:ph type="sldImg"/>
-          </p:nvPr>
-        </p:nvSpPr>
-        <p:spPr/>
-      </p:sp>
-      <p:sp>
-        <p:nvSpPr>
-          <p:cNvPr id="3" name="Notes Placeholder 2"/>
-          <p:cNvSpPr>
-            <a:spLocks noGrp="1"/>
-          </p:cNvSpPr>
-          <p:nvPr>
-            <p:ph type="body" idx="1"/>
-          </p:nvPr>
-        </p:nvSpPr>
-        <p:spPr/>
-        <p:txBody>
-          <a:bodyPr/>
-          <a:lstStyle/>
-          <a:p>
-            <a:endParaRPr lang="en-US" dirty="0"/>
-          </a:p>
-        </p:txBody>
-      </p:sp>
-      <p:sp>
-        <p:nvSpPr>
-          <p:cNvPr id="4" name="Slide Number Placeholder 3"/>
-          <p:cNvSpPr>
-            <a:spLocks noGrp="1"/>
-          </p:cNvSpPr>
-          <p:nvPr>
-            <p:ph type="sldNum" sz="quarter" idx="10"/>
-          </p:nvPr>
-        </p:nvSpPr>
-        <p:spPr/>
-        <p:txBody>
-          <a:bodyPr/>
-          <a:lstStyle/>
-          <a:p>
-            <a:fld id="{614DEF26-CBB1-4DAE-8CBD-C2445F999C1E}" type="slidenum">
-              <a:rPr lang="en-US" smtClean="0"/>
-              <a:t>3</a:t>
-            </a:fld>
-            <a:endParaRPr lang="en-US"/>
-          </a:p>
-        </p:txBody>
-      </p:sp>
-    </p:spTree>
-    <p:extLst>
-      <p:ext uri="{BB962C8B-B14F-4D97-AF65-F5344CB8AC3E}">
-        <p14:creationId xmlns:p14="http://schemas.microsoft.com/office/powerpoint/2010/main" val="1319352056"/>
-      </p:ext>
-    </p:extLst>
-  </p:cSld>
-  <p:clrMapOvr>
-    <a:masterClrMapping/>
-  </p:clrMapOvr>
-</p:notes>
-</file>
-
-<file path=ppt/notesSlides/notesSlide4.xml><?xml version="1.0" encoding="utf-8"?>
-<p:notes xmlns:a="http://schemas.openxmlformats.org/drawingml/2006/main" xmlns:r="http://schemas.openxmlformats.org/officeDocument/2006/relationships" xmlns:p="http://schemas.openxmlformats.org/presentationml/2006/main">
-  <p:cSld>
-    <p:spTree>
-      <p:nvGrpSpPr>
-        <p:cNvPr id="1" name=""/>
-        <p:cNvGrpSpPr/>
-        <p:nvPr/>
-      </p:nvGrpSpPr>
-      <p:grpSpPr>
-        <a:xfrm>
-          <a:off x="0" y="0"/>
-          <a:ext cx="0" cy="0"/>
-          <a:chOff x="0" y="0"/>
-          <a:chExt cx="0" cy="0"/>
-        </a:xfrm>
-      </p:grpSpPr>
-      <p:sp>
-        <p:nvSpPr>
-          <p:cNvPr id="2" name="Slide Image Placeholder 1"/>
-          <p:cNvSpPr>
-            <a:spLocks noGrp="1" noRot="1" noChangeAspect="1"/>
-          </p:cNvSpPr>
-          <p:nvPr>
-            <p:ph type="sldImg"/>
-          </p:nvPr>
-        </p:nvSpPr>
-        <p:spPr/>
-      </p:sp>
-      <p:sp>
-        <p:nvSpPr>
-          <p:cNvPr id="3" name="Notes Placeholder 2"/>
-          <p:cNvSpPr>
-            <a:spLocks noGrp="1"/>
-          </p:cNvSpPr>
-          <p:nvPr>
-            <p:ph type="body" idx="1"/>
-          </p:nvPr>
-        </p:nvSpPr>
-        <p:spPr/>
-        <p:txBody>
-          <a:bodyPr/>
-          <a:lstStyle/>
-          <a:p>
-            <a:endParaRPr lang="en-GB" dirty="0"/>
-          </a:p>
-        </p:txBody>
-      </p:sp>
-      <p:sp>
-        <p:nvSpPr>
-          <p:cNvPr id="4" name="Slide Number Placeholder 3"/>
-          <p:cNvSpPr>
-            <a:spLocks noGrp="1"/>
-          </p:cNvSpPr>
-          <p:nvPr>
-            <p:ph type="sldNum" sz="quarter" idx="5"/>
-          </p:nvPr>
-        </p:nvSpPr>
-        <p:spPr/>
-        <p:txBody>
-          <a:bodyPr/>
-          <a:lstStyle/>
-          <a:p>
-            <a:fld id="{614DEF26-CBB1-4DAE-8CBD-C2445F999C1E}" type="slidenum">
-              <a:rPr lang="en-US" smtClean="0"/>
-              <a:t>4</a:t>
-            </a:fld>
-            <a:endParaRPr lang="en-US"/>
-          </a:p>
-        </p:txBody>
-      </p:sp>
-    </p:spTree>
-    <p:extLst>
-      <p:ext uri="{BB962C8B-B14F-4D97-AF65-F5344CB8AC3E}">
-        <p14:creationId xmlns:p14="http://schemas.microsoft.com/office/powerpoint/2010/main" val="860047674"/>
       </p:ext>
     </p:extLst>
   </p:cSld>
@@ -4227,315 +4057,6 @@
       </p:pic>
       <p:sp>
         <p:nvSpPr>
-          <p:cNvPr id="41" name="Rectangle 40"/>
-          <p:cNvSpPr/>
-          <p:nvPr/>
-        </p:nvSpPr>
-        <p:spPr bwMode="auto">
-          <a:xfrm>
-            <a:off x="0" y="29413200"/>
-            <a:ext cx="21945600" cy="3505200"/>
-          </a:xfrm>
-          <a:prstGeom prst="rect">
-            <a:avLst/>
-          </a:prstGeom>
-          <a:gradFill>
-            <a:gsLst>
-              <a:gs pos="32000">
-                <a:schemeClr val="accent5">
-                  <a:lumMod val="50000"/>
-                </a:schemeClr>
-              </a:gs>
-              <a:gs pos="75000">
-                <a:schemeClr val="accent1">
-                  <a:lumMod val="90000"/>
-                </a:schemeClr>
-              </a:gs>
-            </a:gsLst>
-            <a:lin ang="2700000" scaled="1"/>
-          </a:gradFill>
-          <a:ln w="9525" cap="flat" cmpd="sng" algn="ctr">
-            <a:noFill/>
-            <a:prstDash val="solid"/>
-            <a:round/>
-            <a:headEnd type="none" w="med" len="med"/>
-            <a:tailEnd type="none" w="med" len="med"/>
-          </a:ln>
-          <a:effectLst/>
-        </p:spPr>
-        <p:txBody>
-          <a:bodyPr/>
-          <a:lstStyle/>
-          <a:p>
-            <a:pPr defTabSz="3552825">
-              <a:defRPr/>
-            </a:pPr>
-            <a:endParaRPr lang="en-US" dirty="0"/>
-          </a:p>
-        </p:txBody>
-      </p:sp>
-      <p:sp>
-        <p:nvSpPr>
-          <p:cNvPr id="40" name="Rectangle 39"/>
-          <p:cNvSpPr/>
-          <p:nvPr/>
-        </p:nvSpPr>
-        <p:spPr bwMode="auto">
-          <a:xfrm>
-            <a:off x="0" y="0"/>
-            <a:ext cx="21945600" cy="4267200"/>
-          </a:xfrm>
-          <a:prstGeom prst="rect">
-            <a:avLst/>
-          </a:prstGeom>
-          <a:gradFill>
-            <a:gsLst>
-              <a:gs pos="32000">
-                <a:schemeClr val="accent5">
-                  <a:lumMod val="50000"/>
-                </a:schemeClr>
-              </a:gs>
-              <a:gs pos="75000">
-                <a:schemeClr val="accent1">
-                  <a:lumMod val="90000"/>
-                </a:schemeClr>
-              </a:gs>
-            </a:gsLst>
-            <a:lin ang="2700000" scaled="1"/>
-          </a:gradFill>
-          <a:ln w="9525" cap="flat" cmpd="sng" algn="ctr">
-            <a:noFill/>
-            <a:prstDash val="solid"/>
-            <a:round/>
-            <a:headEnd type="none" w="med" len="med"/>
-            <a:tailEnd type="none" w="med" len="med"/>
-          </a:ln>
-          <a:effectLst/>
-        </p:spPr>
-        <p:txBody>
-          <a:bodyPr/>
-          <a:lstStyle/>
-          <a:p>
-            <a:pPr defTabSz="3552825">
-              <a:defRPr/>
-            </a:pPr>
-            <a:endParaRPr lang="en-US"/>
-          </a:p>
-        </p:txBody>
-      </p:sp>
-      <p:sp>
-        <p:nvSpPr>
-          <p:cNvPr id="2052" name="Text Box 6"/>
-          <p:cNvSpPr txBox="1">
-            <a:spLocks noChangeArrowheads="1"/>
-          </p:cNvSpPr>
-          <p:nvPr/>
-        </p:nvSpPr>
-        <p:spPr bwMode="auto">
-          <a:xfrm>
-            <a:off x="5562600" y="292100"/>
-            <a:ext cx="16383000" cy="3539430"/>
-          </a:xfrm>
-          <a:prstGeom prst="rect">
-            <a:avLst/>
-          </a:prstGeom>
-          <a:noFill/>
-          <a:ln w="9525">
-            <a:noFill/>
-            <a:miter lim="800000"/>
-            <a:headEnd/>
-            <a:tailEnd/>
-          </a:ln>
-        </p:spPr>
-        <p:txBody>
-          <a:bodyPr>
-            <a:spAutoFit/>
-          </a:bodyPr>
-          <a:lstStyle/>
-          <a:p>
-            <a:pPr defTabSz="3552825"/>
-            <a:r>
-              <a:rPr lang="en-US" sz="7200" b="1" dirty="0">
-                <a:solidFill>
-                  <a:schemeClr val="bg1"/>
-                </a:solidFill>
-              </a:rPr>
-              <a:t>Smart Farm Monitoring System for Horticulture panel Lightning (HPL)</a:t>
-            </a:r>
-          </a:p>
-          <a:p>
-            <a:pPr defTabSz="3552825"/>
-            <a:r>
-              <a:rPr lang="en-US" sz="2000" b="1" dirty="0">
-                <a:solidFill>
-                  <a:schemeClr val="bg1"/>
-                </a:solidFill>
-              </a:rPr>
-              <a:t>Michael S. </a:t>
-            </a:r>
-            <a:r>
-              <a:rPr lang="en-US" sz="2000" b="1" dirty="0" err="1">
-                <a:solidFill>
-                  <a:schemeClr val="bg1"/>
-                </a:solidFill>
-              </a:rPr>
-              <a:t>Cubillas</a:t>
-            </a:r>
-            <a:r>
-              <a:rPr lang="en-US" sz="2000" b="1" dirty="0">
-                <a:solidFill>
-                  <a:schemeClr val="bg1"/>
-                </a:solidFill>
-              </a:rPr>
-              <a:t> / </a:t>
-            </a:r>
-            <a:r>
-              <a:rPr lang="en-US" sz="2000" b="1" dirty="0" err="1">
-                <a:solidFill>
-                  <a:schemeClr val="bg1"/>
-                </a:solidFill>
-              </a:rPr>
-              <a:t>Kok</a:t>
-            </a:r>
-            <a:r>
-              <a:rPr lang="en-US" sz="2000" b="1" dirty="0">
-                <a:solidFill>
-                  <a:schemeClr val="bg1"/>
-                </a:solidFill>
-              </a:rPr>
-              <a:t> Chain Loh (3M Asia Pacific </a:t>
-            </a:r>
-            <a:r>
-              <a:rPr lang="en-US" sz="2000" b="1" dirty="0" err="1">
-                <a:solidFill>
-                  <a:schemeClr val="bg1"/>
-                </a:solidFill>
-              </a:rPr>
-              <a:t>Ptd</a:t>
-            </a:r>
-            <a:r>
-              <a:rPr lang="en-US" sz="2000" b="1" dirty="0">
-                <a:solidFill>
-                  <a:schemeClr val="bg1"/>
-                </a:solidFill>
-              </a:rPr>
-              <a:t> Ltd) </a:t>
-            </a:r>
-          </a:p>
-          <a:p>
-            <a:pPr defTabSz="3552825"/>
-            <a:r>
-              <a:rPr lang="en-US" sz="2000" b="1" dirty="0">
-                <a:solidFill>
-                  <a:schemeClr val="bg1"/>
-                </a:solidFill>
-              </a:rPr>
-              <a:t>Lork Jun Hao Clement (Singapore University of Technology and Design)</a:t>
-            </a:r>
-          </a:p>
-          <a:p>
-            <a:pPr defTabSz="3552825"/>
-            <a:endParaRPr lang="en-US" sz="2000" b="1" dirty="0">
-              <a:solidFill>
-                <a:schemeClr val="bg1"/>
-              </a:solidFill>
-            </a:endParaRPr>
-          </a:p>
-          <a:p>
-            <a:pPr defTabSz="3552825"/>
-            <a:r>
-              <a:rPr lang="en-US" sz="2000" b="1" dirty="0">
-                <a:solidFill>
-                  <a:schemeClr val="accent1">
-                    <a:lumMod val="50000"/>
-                  </a:schemeClr>
-                </a:solidFill>
-                <a:hlinkClick r:id="rId7">
-                  <a:extLst>
-                    <a:ext uri="{A12FA001-AC4F-418D-AE19-62706E023703}">
-                      <ahyp:hlinkClr xmlns:ahyp="http://schemas.microsoft.com/office/drawing/2018/hyperlinkcolor" val="tx"/>
-                    </a:ext>
-                  </a:extLst>
-                </a:hlinkClick>
-              </a:rPr>
-              <a:t>mscubillas@mmm.com</a:t>
-            </a:r>
-            <a:r>
-              <a:rPr lang="en-US" sz="2000" b="1" dirty="0">
-                <a:solidFill>
-                  <a:schemeClr val="accent1">
-                    <a:lumMod val="50000"/>
-                  </a:schemeClr>
-                </a:solidFill>
-              </a:rPr>
-              <a:t> | </a:t>
-            </a:r>
-            <a:r>
-              <a:rPr lang="en-US" sz="2000" b="1" dirty="0">
-                <a:solidFill>
-                  <a:schemeClr val="accent1">
-                    <a:lumMod val="50000"/>
-                  </a:schemeClr>
-                </a:solidFill>
-                <a:hlinkClick r:id="rId8">
-                  <a:extLst>
-                    <a:ext uri="{A12FA001-AC4F-418D-AE19-62706E023703}">
-                      <ahyp:hlinkClr xmlns:ahyp="http://schemas.microsoft.com/office/drawing/2018/hyperlinkcolor" val="tx"/>
-                    </a:ext>
-                  </a:extLst>
-                </a:hlinkClick>
-              </a:rPr>
-              <a:t>kcloh@mmm.com</a:t>
-            </a:r>
-            <a:r>
-              <a:rPr lang="en-US" sz="2000" b="1" dirty="0">
-                <a:solidFill>
-                  <a:schemeClr val="accent1">
-                    <a:lumMod val="50000"/>
-                  </a:schemeClr>
-                </a:solidFill>
-              </a:rPr>
-              <a:t> | </a:t>
-            </a:r>
-            <a:r>
-              <a:rPr lang="en-US" sz="2000" b="1" dirty="0">
-                <a:solidFill>
-                  <a:schemeClr val="accent1">
-                    <a:lumMod val="50000"/>
-                  </a:schemeClr>
-                </a:solidFill>
-                <a:hlinkClick r:id="rId9">
-                  <a:extLst>
-                    <a:ext uri="{A12FA001-AC4F-418D-AE19-62706E023703}">
-                      <ahyp:hlinkClr xmlns:ahyp="http://schemas.microsoft.com/office/drawing/2018/hyperlinkcolor" val="tx"/>
-                    </a:ext>
-                  </a:extLst>
-                </a:hlinkClick>
-              </a:rPr>
-              <a:t>cjlork.cw@mmm.com</a:t>
-            </a:r>
-            <a:r>
-              <a:rPr lang="en-US" sz="2000" b="1" dirty="0">
-                <a:solidFill>
-                  <a:schemeClr val="accent1">
-                    <a:lumMod val="50000"/>
-                  </a:schemeClr>
-                </a:solidFill>
-              </a:rPr>
-              <a:t> </a:t>
-            </a:r>
-            <a:endParaRPr lang="en-US" sz="1400" b="1" dirty="0">
-              <a:solidFill>
-                <a:schemeClr val="accent1">
-                  <a:lumMod val="50000"/>
-                </a:schemeClr>
-              </a:solidFill>
-            </a:endParaRPr>
-          </a:p>
-        </p:txBody>
-      </p:sp>
-      <p:sp>
-        <p:nvSpPr>
           <p:cNvPr id="2053" name="Text Box 14"/>
           <p:cNvSpPr txBox="1">
             <a:spLocks noChangeArrowheads="1"/>
@@ -4566,7 +4087,7 @@
           <a:p>
             <a:pPr defTabSz="3552825"/>
             <a:r>
-              <a:rPr lang="en-US" sz="4000">
+              <a:rPr lang="en-US" sz="4000" dirty="0">
                 <a:solidFill>
                   <a:schemeClr val="bg1"/>
                 </a:solidFill>
@@ -4574,375 +4095,6 @@
               </a:rPr>
               <a:t>3M CONFIDENTIAL</a:t>
             </a:r>
-          </a:p>
-        </p:txBody>
-      </p:sp>
-      <p:sp>
-        <p:nvSpPr>
-          <p:cNvPr id="2054" name="TextBox 38"/>
-          <p:cNvSpPr txBox="1">
-            <a:spLocks noChangeArrowheads="1"/>
-          </p:cNvSpPr>
-          <p:nvPr/>
-        </p:nvSpPr>
-        <p:spPr bwMode="auto">
-          <a:xfrm>
-            <a:off x="381000" y="29854525"/>
-            <a:ext cx="16230600" cy="923330"/>
-          </a:xfrm>
-          <a:prstGeom prst="rect">
-            <a:avLst/>
-          </a:prstGeom>
-          <a:noFill/>
-          <a:ln w="9525">
-            <a:noFill/>
-            <a:miter lim="800000"/>
-            <a:headEnd/>
-            <a:tailEnd/>
-          </a:ln>
-        </p:spPr>
-        <p:txBody>
-          <a:bodyPr>
-            <a:spAutoFit/>
-          </a:bodyPr>
-          <a:lstStyle/>
-          <a:p>
-            <a:r>
-              <a:rPr lang="en-US" sz="5400" dirty="0">
-                <a:solidFill>
-                  <a:schemeClr val="bg1"/>
-                </a:solidFill>
-                <a:latin typeface="Arial Black" pitchFamily="34" charset="0"/>
-              </a:rPr>
-              <a:t>Smart Urban Solutions / 3M Asia Pacific</a:t>
-            </a:r>
-          </a:p>
-        </p:txBody>
-      </p:sp>
-      <p:pic>
-        <p:nvPicPr>
-          <p:cNvPr id="2058" name="Picture 10"/>
-          <p:cNvPicPr>
-            <a:picLocks noChangeAspect="1" noChangeArrowheads="1"/>
-          </p:cNvPicPr>
-          <p:nvPr/>
-        </p:nvPicPr>
-        <p:blipFill>
-          <a:blip r:embed="rId10" cstate="print">
-            <a:extLst>
-              <a:ext uri="{BEBA8EAE-BF5A-486C-A8C5-ECC9F3942E4B}">
-                <a14:imgProps xmlns:a14="http://schemas.microsoft.com/office/drawing/2010/main">
-                  <a14:imgLayer r:embed="rId11">
-                    <a14:imgEffect>
-                      <a14:backgroundRemoval t="22222" b="91111" l="3306" r="89669">
-                        <a14:backgroundMark x1="26860" y1="29630" x2="26860" y2="29630"/>
-                        <a14:backgroundMark x1="38430" y1="36296" x2="38430" y2="36296"/>
-                      </a14:backgroundRemoval>
-                    </a14:imgEffect>
-                  </a14:imgLayer>
-                </a14:imgProps>
-              </a:ext>
-            </a:extLst>
-          </a:blip>
-          <a:srcRect t="13942"/>
-          <a:stretch>
-            <a:fillRect/>
-          </a:stretch>
-        </p:blipFill>
-        <p:spPr bwMode="auto">
-          <a:xfrm>
-            <a:off x="0" y="609600"/>
-            <a:ext cx="5257800" cy="2524125"/>
-          </a:xfrm>
-          <a:prstGeom prst="rect">
-            <a:avLst/>
-          </a:prstGeom>
-          <a:noFill/>
-          <a:ln w="9525" algn="ctr">
-            <a:noFill/>
-            <a:miter lim="800000"/>
-            <a:headEnd/>
-            <a:tailEnd/>
-          </a:ln>
-          <a:effectLst/>
-        </p:spPr>
-      </p:pic>
-      <p:sp>
-        <p:nvSpPr>
-          <p:cNvPr id="4" name="Rectangle: Single Corner Snipped 3">
-            <a:extLst>
-              <a:ext uri="{FF2B5EF4-FFF2-40B4-BE49-F238E27FC236}">
-                <a16:creationId xmlns:a16="http://schemas.microsoft.com/office/drawing/2014/main" id="{53F5C38B-FAD5-435C-A58D-4CD42BAA9B97}"/>
-              </a:ext>
-            </a:extLst>
-          </p:cNvPr>
-          <p:cNvSpPr/>
-          <p:nvPr/>
-        </p:nvSpPr>
-        <p:spPr bwMode="auto">
-          <a:xfrm>
-            <a:off x="2463800" y="4559300"/>
-            <a:ext cx="5588000" cy="838200"/>
-          </a:xfrm>
-          <a:prstGeom prst="snip1Rect">
-            <a:avLst/>
-          </a:prstGeom>
-          <a:gradFill flip="none" rotWithShape="1">
-            <a:gsLst>
-              <a:gs pos="32000">
-                <a:schemeClr val="accent5">
-                  <a:lumMod val="50000"/>
-                </a:schemeClr>
-              </a:gs>
-              <a:gs pos="75000">
-                <a:schemeClr val="accent1">
-                  <a:lumMod val="90000"/>
-                </a:schemeClr>
-              </a:gs>
-            </a:gsLst>
-            <a:lin ang="2700000" scaled="1"/>
-            <a:tileRect/>
-          </a:gradFill>
-          <a:ln w="9525" cap="flat" cmpd="sng" algn="ctr">
-            <a:noFill/>
-            <a:prstDash val="solid"/>
-            <a:round/>
-            <a:headEnd type="none" w="med" len="med"/>
-            <a:tailEnd type="none" w="med" len="med"/>
-          </a:ln>
-          <a:effectLst/>
-        </p:spPr>
-        <p:txBody>
-          <a:bodyPr vert="horz" wrap="square" lIns="91440" tIns="45720" rIns="91440" bIns="45720" numCol="1" rtlCol="0" anchor="t" anchorCtr="0" compatLnSpc="1">
-            <a:prstTxWarp prst="textNoShape">
-              <a:avLst/>
-            </a:prstTxWarp>
-          </a:bodyPr>
-          <a:lstStyle/>
-          <a:p>
-            <a:pPr marL="0" marR="0" indent="0" algn="ctr" defTabSz="3552825" rtl="0" eaLnBrk="1" fontAlgn="base" latinLnBrk="0" hangingPunct="1">
-              <a:lnSpc>
-                <a:spcPct val="100000"/>
-              </a:lnSpc>
-              <a:spcBef>
-                <a:spcPct val="0"/>
-              </a:spcBef>
-              <a:spcAft>
-                <a:spcPct val="0"/>
-              </a:spcAft>
-              <a:buClrTx/>
-              <a:buSzTx/>
-              <a:buFontTx/>
-              <a:buNone/>
-              <a:tabLst/>
-            </a:pPr>
-            <a:r>
-              <a:rPr lang="en-GB" sz="4800" dirty="0">
-                <a:solidFill>
-                  <a:schemeClr val="bg1"/>
-                </a:solidFill>
-                <a:latin typeface="+mj-lt"/>
-                <a:cs typeface="Calibri" panose="020F0502020204030204" pitchFamily="34" charset="0"/>
-              </a:rPr>
-              <a:t>Introduction</a:t>
-            </a:r>
-            <a:endParaRPr kumimoji="0" lang="en-GB" sz="4800" b="0" i="0" u="none" strike="noStrike" cap="none" normalizeH="0" baseline="0" dirty="0">
-              <a:ln>
-                <a:noFill/>
-              </a:ln>
-              <a:solidFill>
-                <a:schemeClr val="bg1"/>
-              </a:solidFill>
-              <a:effectLst/>
-              <a:latin typeface="+mj-lt"/>
-              <a:cs typeface="Calibri" panose="020F0502020204030204" pitchFamily="34" charset="0"/>
-            </a:endParaRPr>
-          </a:p>
-        </p:txBody>
-      </p:sp>
-      <p:sp>
-        <p:nvSpPr>
-          <p:cNvPr id="16" name="Rectangle: Single Corner Snipped 15">
-            <a:extLst>
-              <a:ext uri="{FF2B5EF4-FFF2-40B4-BE49-F238E27FC236}">
-                <a16:creationId xmlns:a16="http://schemas.microsoft.com/office/drawing/2014/main" id="{77729B4D-AF1E-4806-B074-AB3CF8DDC349}"/>
-              </a:ext>
-            </a:extLst>
-          </p:cNvPr>
-          <p:cNvSpPr/>
-          <p:nvPr/>
-        </p:nvSpPr>
-        <p:spPr bwMode="auto">
-          <a:xfrm>
-            <a:off x="2463800" y="10841831"/>
-            <a:ext cx="5588000" cy="838200"/>
-          </a:xfrm>
-          <a:prstGeom prst="snip1Rect">
-            <a:avLst/>
-          </a:prstGeom>
-          <a:gradFill flip="none" rotWithShape="1">
-            <a:gsLst>
-              <a:gs pos="32000">
-                <a:schemeClr val="accent5">
-                  <a:lumMod val="50000"/>
-                </a:schemeClr>
-              </a:gs>
-              <a:gs pos="75000">
-                <a:schemeClr val="accent1">
-                  <a:lumMod val="90000"/>
-                </a:schemeClr>
-              </a:gs>
-            </a:gsLst>
-            <a:lin ang="2700000" scaled="1"/>
-            <a:tileRect/>
-          </a:gradFill>
-          <a:ln w="9525" cap="flat" cmpd="sng" algn="ctr">
-            <a:noFill/>
-            <a:prstDash val="solid"/>
-            <a:round/>
-            <a:headEnd type="none" w="med" len="med"/>
-            <a:tailEnd type="none" w="med" len="med"/>
-          </a:ln>
-          <a:effectLst/>
-        </p:spPr>
-        <p:txBody>
-          <a:bodyPr vert="horz" wrap="square" lIns="91440" tIns="45720" rIns="91440" bIns="45720" numCol="1" rtlCol="0" anchor="t" anchorCtr="0" compatLnSpc="1">
-            <a:prstTxWarp prst="textNoShape">
-              <a:avLst/>
-            </a:prstTxWarp>
-          </a:bodyPr>
-          <a:lstStyle/>
-          <a:p>
-            <a:pPr marL="0" marR="0" indent="0" algn="ctr" defTabSz="3552825" rtl="0" eaLnBrk="1" fontAlgn="base" latinLnBrk="0" hangingPunct="1">
-              <a:lnSpc>
-                <a:spcPct val="100000"/>
-              </a:lnSpc>
-              <a:spcBef>
-                <a:spcPct val="0"/>
-              </a:spcBef>
-              <a:spcAft>
-                <a:spcPct val="0"/>
-              </a:spcAft>
-              <a:buClrTx/>
-              <a:buSzTx/>
-              <a:buFontTx/>
-              <a:buNone/>
-              <a:tabLst/>
-            </a:pPr>
-            <a:r>
-              <a:rPr lang="en-GB" sz="4800" dirty="0">
-                <a:solidFill>
-                  <a:schemeClr val="bg1"/>
-                </a:solidFill>
-                <a:latin typeface="+mj-lt"/>
-                <a:cs typeface="Calibri" panose="020F0502020204030204" pitchFamily="34" charset="0"/>
-              </a:rPr>
-              <a:t>HPL Setup</a:t>
-            </a:r>
-            <a:endParaRPr kumimoji="0" lang="en-GB" sz="4800" b="0" i="0" u="none" strike="noStrike" cap="none" normalizeH="0" baseline="0" dirty="0">
-              <a:ln>
-                <a:noFill/>
-              </a:ln>
-              <a:solidFill>
-                <a:schemeClr val="bg1"/>
-              </a:solidFill>
-              <a:effectLst/>
-              <a:latin typeface="+mj-lt"/>
-              <a:cs typeface="Calibri" panose="020F0502020204030204" pitchFamily="34" charset="0"/>
-            </a:endParaRPr>
-          </a:p>
-        </p:txBody>
-      </p:sp>
-      <p:sp>
-        <p:nvSpPr>
-          <p:cNvPr id="17" name="Rectangle: Single Corner Snipped 16">
-            <a:extLst>
-              <a:ext uri="{FF2B5EF4-FFF2-40B4-BE49-F238E27FC236}">
-                <a16:creationId xmlns:a16="http://schemas.microsoft.com/office/drawing/2014/main" id="{E491B85F-81F0-4221-AE4D-4AF60CBFC8BB}"/>
-              </a:ext>
-            </a:extLst>
-          </p:cNvPr>
-          <p:cNvSpPr/>
-          <p:nvPr/>
-        </p:nvSpPr>
-        <p:spPr bwMode="auto">
-          <a:xfrm>
-            <a:off x="2463800" y="17778375"/>
-            <a:ext cx="5588000" cy="838200"/>
-          </a:xfrm>
-          <a:prstGeom prst="snip1Rect">
-            <a:avLst/>
-          </a:prstGeom>
-          <a:gradFill flip="none" rotWithShape="1">
-            <a:gsLst>
-              <a:gs pos="32000">
-                <a:schemeClr val="accent5">
-                  <a:lumMod val="50000"/>
-                </a:schemeClr>
-              </a:gs>
-              <a:gs pos="75000">
-                <a:schemeClr val="accent1">
-                  <a:lumMod val="90000"/>
-                </a:schemeClr>
-              </a:gs>
-            </a:gsLst>
-            <a:lin ang="2700000" scaled="1"/>
-            <a:tileRect/>
-          </a:gradFill>
-          <a:ln w="9525" cap="flat" cmpd="sng" algn="ctr">
-            <a:noFill/>
-            <a:prstDash val="solid"/>
-            <a:round/>
-            <a:headEnd type="none" w="med" len="med"/>
-            <a:tailEnd type="none" w="med" len="med"/>
-          </a:ln>
-          <a:effectLst/>
-        </p:spPr>
-        <p:txBody>
-          <a:bodyPr vert="horz" wrap="square" lIns="91440" tIns="45720" rIns="91440" bIns="45720" numCol="1" rtlCol="0" anchor="t" anchorCtr="0" compatLnSpc="1">
-            <a:prstTxWarp prst="textNoShape">
-              <a:avLst/>
-            </a:prstTxWarp>
-          </a:bodyPr>
-          <a:lstStyle/>
-          <a:p>
-            <a:pPr marL="0" marR="0" indent="0" algn="ctr" defTabSz="3552825" rtl="0" eaLnBrk="1" fontAlgn="base" latinLnBrk="0" hangingPunct="1">
-              <a:lnSpc>
-                <a:spcPct val="100000"/>
-              </a:lnSpc>
-              <a:spcBef>
-                <a:spcPct val="0"/>
-              </a:spcBef>
-              <a:spcAft>
-                <a:spcPct val="0"/>
-              </a:spcAft>
-              <a:buClrTx/>
-              <a:buSzTx/>
-              <a:buFontTx/>
-              <a:buNone/>
-              <a:tabLst/>
-            </a:pPr>
-            <a:r>
-              <a:rPr lang="en-GB" sz="4800" dirty="0">
-                <a:solidFill>
-                  <a:schemeClr val="bg1"/>
-                </a:solidFill>
-                <a:latin typeface="+mj-lt"/>
-                <a:cs typeface="Calibri" panose="020F0502020204030204" pitchFamily="34" charset="0"/>
-              </a:rPr>
-              <a:t>Data Collection</a:t>
-            </a:r>
-            <a:endParaRPr kumimoji="0" lang="en-GB" sz="4800" b="0" i="0" u="none" strike="noStrike" cap="none" normalizeH="0" baseline="0" dirty="0">
-              <a:ln>
-                <a:noFill/>
-              </a:ln>
-              <a:solidFill>
-                <a:schemeClr val="bg1"/>
-              </a:solidFill>
-              <a:effectLst/>
-              <a:latin typeface="+mj-lt"/>
-              <a:cs typeface="Calibri" panose="020F0502020204030204" pitchFamily="34" charset="0"/>
-            </a:endParaRPr>
           </a:p>
         </p:txBody>
       </p:sp>
@@ -5322,8 +4474,8 @@
           </a:p>
         </p:txBody>
       </p:sp>
-      <mc:AlternateContent xmlns:mc="http://schemas.openxmlformats.org/markup-compatibility/2006">
-        <mc:Choice xmlns:a14="http://schemas.microsoft.com/office/drawing/2010/main" Requires="a14">
+      <mc:AlternateContent xmlns:mc="http://schemas.openxmlformats.org/markup-compatibility/2006" xmlns:a14="http://schemas.microsoft.com/office/drawing/2010/main">
+        <mc:Choice Requires="a14">
           <p:sp>
             <p:nvSpPr>
               <p:cNvPr id="2051" name="TextBox 2050">
@@ -5431,7 +4583,7 @@
             </p:txBody>
           </p:sp>
         </mc:Choice>
-        <mc:Fallback>
+        <mc:Fallback xmlns="">
           <p:sp>
             <p:nvSpPr>
               <p:cNvPr id="2051" name="TextBox 2050">
@@ -5698,8 +4850,8 @@
           </a:p>
         </p:txBody>
       </p:sp>
-      <mc:AlternateContent xmlns:mc="http://schemas.openxmlformats.org/markup-compatibility/2006">
-        <mc:Choice xmlns:a14="http://schemas.microsoft.com/office/drawing/2010/main" Requires="a14">
+      <mc:AlternateContent xmlns:mc="http://schemas.openxmlformats.org/markup-compatibility/2006" xmlns:a14="http://schemas.microsoft.com/office/drawing/2010/main">
+        <mc:Choice Requires="a14">
           <p:sp>
             <p:nvSpPr>
               <p:cNvPr id="134" name="TextBox 133">
@@ -5770,7 +4922,7 @@
             </p:txBody>
           </p:sp>
         </mc:Choice>
-        <mc:Fallback>
+        <mc:Fallback xmlns="">
           <p:sp>
             <p:nvSpPr>
               <p:cNvPr id="134" name="TextBox 133">
@@ -5815,53 +4967,6 @@
           </p:sp>
         </mc:Fallback>
       </mc:AlternateContent>
-      <p:pic>
-        <p:nvPicPr>
-          <p:cNvPr id="2" name="Picture 2" descr="Image result for 3m logo">
-            <a:extLst>
-              <a:ext uri="{FF2B5EF4-FFF2-40B4-BE49-F238E27FC236}">
-                <a16:creationId xmlns:a16="http://schemas.microsoft.com/office/drawing/2014/main" id="{AB3E2242-58B2-4FA0-843C-2DD9D6D193E7}"/>
-              </a:ext>
-            </a:extLst>
-          </p:cNvPr>
-          <p:cNvPicPr>
-            <a:picLocks noChangeAspect="1" noChangeArrowheads="1"/>
-          </p:cNvPicPr>
-          <p:nvPr/>
-        </p:nvPicPr>
-        <p:blipFill>
-          <a:blip r:embed="rId15">
-            <a:extLst>
-              <a:ext uri="{28A0092B-C50C-407E-A947-70E740481C1C}">
-                <a14:useLocalDpi xmlns:a14="http://schemas.microsoft.com/office/drawing/2010/main" val="0"/>
-              </a:ext>
-            </a:extLst>
-          </a:blip>
-          <a:srcRect/>
-          <a:stretch>
-            <a:fillRect/>
-          </a:stretch>
-        </p:blipFill>
-        <p:spPr bwMode="auto">
-          <a:xfrm>
-            <a:off x="13563600" y="31306508"/>
-            <a:ext cx="8203610" cy="1497009"/>
-          </a:xfrm>
-          <a:prstGeom prst="rect">
-            <a:avLst/>
-          </a:prstGeom>
-          <a:noFill/>
-          <a:extLst>
-            <a:ext uri="{909E8E84-426E-40DD-AFC4-6F175D3DCCD1}">
-              <a14:hiddenFill xmlns:a14="http://schemas.microsoft.com/office/drawing/2010/main">
-                <a:solidFill>
-                  <a:srgbClr val="FFFFFF"/>
-                </a:solidFill>
-              </a14:hiddenFill>
-            </a:ext>
-          </a:extLst>
-        </p:spPr>
-      </p:pic>
       <p:sp>
         <p:nvSpPr>
           <p:cNvPr id="54" name="TextBox 53">
@@ -5897,8 +5002,8 @@
           </a:p>
         </p:txBody>
       </p:sp>
-      <mc:AlternateContent xmlns:mc="http://schemas.openxmlformats.org/markup-compatibility/2006">
-        <mc:Choice xmlns:a14="http://schemas.microsoft.com/office/drawing/2010/main" Requires="a14">
+      <mc:AlternateContent xmlns:mc="http://schemas.openxmlformats.org/markup-compatibility/2006" xmlns:a14="http://schemas.microsoft.com/office/drawing/2010/main">
+        <mc:Choice Requires="a14">
           <p:sp>
             <p:nvSpPr>
               <p:cNvPr id="70" name="TextBox 69">
@@ -5976,7 +5081,7 @@
             </p:txBody>
           </p:sp>
         </mc:Choice>
-        <mc:Fallback>
+        <mc:Fallback xmlns="">
           <p:sp>
             <p:nvSpPr>
               <p:cNvPr id="70" name="TextBox 69">
@@ -7021,8 +6126,8 @@
           </a:p>
         </p:txBody>
       </p:sp>
-      <mc:AlternateContent xmlns:mc="http://schemas.openxmlformats.org/markup-compatibility/2006">
-        <mc:Choice xmlns:a14="http://schemas.microsoft.com/office/drawing/2010/main" Requires="a14">
+      <mc:AlternateContent xmlns:mc="http://schemas.openxmlformats.org/markup-compatibility/2006" xmlns:a14="http://schemas.microsoft.com/office/drawing/2010/main">
+        <mc:Choice Requires="a14">
           <p:sp>
             <p:nvSpPr>
               <p:cNvPr id="26" name="TextBox 25">
@@ -7153,7 +6258,7 @@
             </p:txBody>
           </p:sp>
         </mc:Choice>
-        <mc:Fallback>
+        <mc:Fallback xmlns="">
           <p:sp>
             <p:nvSpPr>
               <p:cNvPr id="26" name="TextBox 25">
@@ -7535,8 +6640,8 @@
           </a:p>
         </p:txBody>
       </p:sp>
-      <mc:AlternateContent xmlns:mc="http://schemas.openxmlformats.org/markup-compatibility/2006">
-        <mc:Choice xmlns:a14="http://schemas.microsoft.com/office/drawing/2010/main" Requires="a14">
+      <mc:AlternateContent xmlns:mc="http://schemas.openxmlformats.org/markup-compatibility/2006" xmlns:a14="http://schemas.microsoft.com/office/drawing/2010/main">
+        <mc:Choice Requires="a14">
           <p:sp>
             <p:nvSpPr>
               <p:cNvPr id="12" name="Rectangle 11">
@@ -7792,7 +6897,7 @@
             </p:txBody>
           </p:sp>
         </mc:Choice>
-        <mc:Fallback>
+        <mc:Fallback xmlns="">
           <p:sp>
             <p:nvSpPr>
               <p:cNvPr id="12" name="Rectangle 11">
@@ -7895,448 +7000,6 @@
           <a:prstGeom prst="rect">
             <a:avLst/>
           </a:prstGeom>
-        </p:spPr>
-      </p:pic>
-      <p:sp>
-        <p:nvSpPr>
-          <p:cNvPr id="41" name="Rectangle 40"/>
-          <p:cNvSpPr/>
-          <p:nvPr/>
-        </p:nvSpPr>
-        <p:spPr bwMode="auto">
-          <a:xfrm>
-            <a:off x="0" y="29413200"/>
-            <a:ext cx="21945600" cy="3505200"/>
-          </a:xfrm>
-          <a:prstGeom prst="rect">
-            <a:avLst/>
-          </a:prstGeom>
-          <a:gradFill>
-            <a:gsLst>
-              <a:gs pos="32000">
-                <a:schemeClr val="accent5">
-                  <a:lumMod val="50000"/>
-                </a:schemeClr>
-              </a:gs>
-              <a:gs pos="75000">
-                <a:schemeClr val="accent1">
-                  <a:lumMod val="90000"/>
-                </a:schemeClr>
-              </a:gs>
-            </a:gsLst>
-            <a:lin ang="2700000" scaled="1"/>
-          </a:gradFill>
-          <a:ln w="9525" cap="flat" cmpd="sng" algn="ctr">
-            <a:noFill/>
-            <a:prstDash val="solid"/>
-            <a:round/>
-            <a:headEnd type="none" w="med" len="med"/>
-            <a:tailEnd type="none" w="med" len="med"/>
-          </a:ln>
-          <a:effectLst/>
-        </p:spPr>
-        <p:txBody>
-          <a:bodyPr/>
-          <a:lstStyle/>
-          <a:p>
-            <a:pPr defTabSz="3552825">
-              <a:defRPr/>
-            </a:pPr>
-            <a:endParaRPr lang="en-US" dirty="0"/>
-          </a:p>
-        </p:txBody>
-      </p:sp>
-      <p:sp>
-        <p:nvSpPr>
-          <p:cNvPr id="40" name="Rectangle 39"/>
-          <p:cNvSpPr/>
-          <p:nvPr/>
-        </p:nvSpPr>
-        <p:spPr bwMode="auto">
-          <a:xfrm>
-            <a:off x="0" y="0"/>
-            <a:ext cx="21945600" cy="4267200"/>
-          </a:xfrm>
-          <a:prstGeom prst="rect">
-            <a:avLst/>
-          </a:prstGeom>
-          <a:gradFill>
-            <a:gsLst>
-              <a:gs pos="32000">
-                <a:schemeClr val="accent5">
-                  <a:lumMod val="50000"/>
-                </a:schemeClr>
-              </a:gs>
-              <a:gs pos="75000">
-                <a:schemeClr val="accent1">
-                  <a:lumMod val="90000"/>
-                </a:schemeClr>
-              </a:gs>
-            </a:gsLst>
-            <a:lin ang="2700000" scaled="1"/>
-          </a:gradFill>
-          <a:ln w="9525" cap="flat" cmpd="sng" algn="ctr">
-            <a:noFill/>
-            <a:prstDash val="solid"/>
-            <a:round/>
-            <a:headEnd type="none" w="med" len="med"/>
-            <a:tailEnd type="none" w="med" len="med"/>
-          </a:ln>
-          <a:effectLst/>
-        </p:spPr>
-        <p:txBody>
-          <a:bodyPr/>
-          <a:lstStyle/>
-          <a:p>
-            <a:pPr defTabSz="3552825">
-              <a:defRPr/>
-            </a:pPr>
-            <a:endParaRPr lang="en-US"/>
-          </a:p>
-        </p:txBody>
-      </p:sp>
-      <p:sp>
-        <p:nvSpPr>
-          <p:cNvPr id="2052" name="Text Box 6"/>
-          <p:cNvSpPr txBox="1">
-            <a:spLocks noChangeArrowheads="1"/>
-          </p:cNvSpPr>
-          <p:nvPr/>
-        </p:nvSpPr>
-        <p:spPr bwMode="auto">
-          <a:xfrm>
-            <a:off x="5562600" y="292100"/>
-            <a:ext cx="16383000" cy="3539430"/>
-          </a:xfrm>
-          <a:prstGeom prst="rect">
-            <a:avLst/>
-          </a:prstGeom>
-          <a:noFill/>
-          <a:ln w="9525">
-            <a:noFill/>
-            <a:miter lim="800000"/>
-            <a:headEnd/>
-            <a:tailEnd/>
-          </a:ln>
-        </p:spPr>
-        <p:txBody>
-          <a:bodyPr>
-            <a:spAutoFit/>
-          </a:bodyPr>
-          <a:lstStyle/>
-          <a:p>
-            <a:pPr defTabSz="3552825"/>
-            <a:r>
-              <a:rPr lang="en-US" sz="7200" b="1" dirty="0">
-                <a:solidFill>
-                  <a:schemeClr val="bg1"/>
-                </a:solidFill>
-              </a:rPr>
-              <a:t>Smart Farm Monitoring System for Horticulture panel Lightning (HPL)</a:t>
-            </a:r>
-          </a:p>
-          <a:p>
-            <a:pPr defTabSz="3552825"/>
-            <a:r>
-              <a:rPr lang="en-US" sz="2000" b="1" dirty="0">
-                <a:solidFill>
-                  <a:schemeClr val="bg1"/>
-                </a:solidFill>
-              </a:rPr>
-              <a:t>Michael S. </a:t>
-            </a:r>
-            <a:r>
-              <a:rPr lang="en-US" sz="2000" b="1" dirty="0" err="1">
-                <a:solidFill>
-                  <a:schemeClr val="bg1"/>
-                </a:solidFill>
-              </a:rPr>
-              <a:t>Cubillas</a:t>
-            </a:r>
-            <a:r>
-              <a:rPr lang="en-US" sz="2000" b="1" dirty="0">
-                <a:solidFill>
-                  <a:schemeClr val="bg1"/>
-                </a:solidFill>
-              </a:rPr>
-              <a:t> / </a:t>
-            </a:r>
-            <a:r>
-              <a:rPr lang="en-US" sz="2000" b="1" dirty="0" err="1">
-                <a:solidFill>
-                  <a:schemeClr val="bg1"/>
-                </a:solidFill>
-              </a:rPr>
-              <a:t>Kok</a:t>
-            </a:r>
-            <a:r>
-              <a:rPr lang="en-US" sz="2000" b="1" dirty="0">
-                <a:solidFill>
-                  <a:schemeClr val="bg1"/>
-                </a:solidFill>
-              </a:rPr>
-              <a:t> Chain Loh (3M Asia Pacific </a:t>
-            </a:r>
-            <a:r>
-              <a:rPr lang="en-US" sz="2000" b="1" dirty="0" err="1">
-                <a:solidFill>
-                  <a:schemeClr val="bg1"/>
-                </a:solidFill>
-              </a:rPr>
-              <a:t>Ptd</a:t>
-            </a:r>
-            <a:r>
-              <a:rPr lang="en-US" sz="2000" b="1" dirty="0">
-                <a:solidFill>
-                  <a:schemeClr val="bg1"/>
-                </a:solidFill>
-              </a:rPr>
-              <a:t> Ltd) </a:t>
-            </a:r>
-          </a:p>
-          <a:p>
-            <a:pPr defTabSz="3552825"/>
-            <a:r>
-              <a:rPr lang="en-US" sz="2000" b="1" dirty="0">
-                <a:solidFill>
-                  <a:schemeClr val="bg1"/>
-                </a:solidFill>
-              </a:rPr>
-              <a:t>Lork Jun Hao Clement (Singapore University of Technology and Design)</a:t>
-            </a:r>
-          </a:p>
-          <a:p>
-            <a:pPr defTabSz="3552825"/>
-            <a:endParaRPr lang="en-US" sz="2000" b="1" dirty="0">
-              <a:solidFill>
-                <a:schemeClr val="bg1"/>
-              </a:solidFill>
-            </a:endParaRPr>
-          </a:p>
-          <a:p>
-            <a:pPr defTabSz="3552825"/>
-            <a:r>
-              <a:rPr lang="en-US" sz="2000" b="1" dirty="0">
-                <a:solidFill>
-                  <a:schemeClr val="accent1">
-                    <a:lumMod val="50000"/>
-                  </a:schemeClr>
-                </a:solidFill>
-                <a:hlinkClick r:id="rId4">
-                  <a:extLst>
-                    <a:ext uri="{A12FA001-AC4F-418D-AE19-62706E023703}">
-                      <ahyp:hlinkClr xmlns:ahyp="http://schemas.microsoft.com/office/drawing/2018/hyperlinkcolor" val="tx"/>
-                    </a:ext>
-                  </a:extLst>
-                </a:hlinkClick>
-              </a:rPr>
-              <a:t>mscubillas@mmm.com</a:t>
-            </a:r>
-            <a:r>
-              <a:rPr lang="en-US" sz="2000" b="1" dirty="0">
-                <a:solidFill>
-                  <a:schemeClr val="accent1">
-                    <a:lumMod val="50000"/>
-                  </a:schemeClr>
-                </a:solidFill>
-              </a:rPr>
-              <a:t> | </a:t>
-            </a:r>
-            <a:r>
-              <a:rPr lang="en-US" sz="2000" b="1" dirty="0">
-                <a:solidFill>
-                  <a:schemeClr val="accent1">
-                    <a:lumMod val="50000"/>
-                  </a:schemeClr>
-                </a:solidFill>
-                <a:hlinkClick r:id="rId5">
-                  <a:extLst>
-                    <a:ext uri="{A12FA001-AC4F-418D-AE19-62706E023703}">
-                      <ahyp:hlinkClr xmlns:ahyp="http://schemas.microsoft.com/office/drawing/2018/hyperlinkcolor" val="tx"/>
-                    </a:ext>
-                  </a:extLst>
-                </a:hlinkClick>
-              </a:rPr>
-              <a:t>kcloh@mmm.com</a:t>
-            </a:r>
-            <a:r>
-              <a:rPr lang="en-US" sz="2000" b="1" dirty="0">
-                <a:solidFill>
-                  <a:schemeClr val="accent1">
-                    <a:lumMod val="50000"/>
-                  </a:schemeClr>
-                </a:solidFill>
-              </a:rPr>
-              <a:t> | </a:t>
-            </a:r>
-            <a:r>
-              <a:rPr lang="en-US" sz="2000" b="1" dirty="0">
-                <a:solidFill>
-                  <a:schemeClr val="accent1">
-                    <a:lumMod val="50000"/>
-                  </a:schemeClr>
-                </a:solidFill>
-                <a:hlinkClick r:id="rId6">
-                  <a:extLst>
-                    <a:ext uri="{A12FA001-AC4F-418D-AE19-62706E023703}">
-                      <ahyp:hlinkClr xmlns:ahyp="http://schemas.microsoft.com/office/drawing/2018/hyperlinkcolor" val="tx"/>
-                    </a:ext>
-                  </a:extLst>
-                </a:hlinkClick>
-              </a:rPr>
-              <a:t>cjlork.cw@mmm.com</a:t>
-            </a:r>
-            <a:r>
-              <a:rPr lang="en-US" sz="2000" b="1" dirty="0">
-                <a:solidFill>
-                  <a:schemeClr val="accent1">
-                    <a:lumMod val="50000"/>
-                  </a:schemeClr>
-                </a:solidFill>
-              </a:rPr>
-              <a:t> </a:t>
-            </a:r>
-            <a:endParaRPr lang="en-US" sz="1400" b="1" dirty="0">
-              <a:solidFill>
-                <a:schemeClr val="accent1">
-                  <a:lumMod val="50000"/>
-                </a:schemeClr>
-              </a:solidFill>
-            </a:endParaRPr>
-          </a:p>
-        </p:txBody>
-      </p:sp>
-      <p:sp>
-        <p:nvSpPr>
-          <p:cNvPr id="2053" name="Text Box 14"/>
-          <p:cNvSpPr txBox="1">
-            <a:spLocks noChangeArrowheads="1"/>
-          </p:cNvSpPr>
-          <p:nvPr/>
-        </p:nvSpPr>
-        <p:spPr bwMode="auto">
-          <a:xfrm>
-            <a:off x="381000" y="31851600"/>
-            <a:ext cx="5435600" cy="701675"/>
-          </a:xfrm>
-          <a:prstGeom prst="rect">
-            <a:avLst/>
-          </a:prstGeom>
-          <a:noFill/>
-          <a:ln w="9525">
-            <a:noFill/>
-            <a:miter lim="800000"/>
-            <a:headEnd/>
-            <a:tailEnd/>
-          </a:ln>
-        </p:spPr>
-        <p:txBody>
-          <a:bodyPr wrap="none">
-            <a:spAutoFit/>
-          </a:bodyPr>
-          <a:lstStyle/>
-          <a:p>
-            <a:pPr defTabSz="3552825"/>
-            <a:r>
-              <a:rPr lang="en-US" sz="4000">
-                <a:solidFill>
-                  <a:schemeClr val="bg1"/>
-                </a:solidFill>
-                <a:latin typeface="Arial Black" pitchFamily="34" charset="0"/>
-              </a:rPr>
-              <a:t>3M CONFIDENTIAL</a:t>
-            </a:r>
-          </a:p>
-        </p:txBody>
-      </p:sp>
-      <p:sp>
-        <p:nvSpPr>
-          <p:cNvPr id="2054" name="TextBox 38"/>
-          <p:cNvSpPr txBox="1">
-            <a:spLocks noChangeArrowheads="1"/>
-          </p:cNvSpPr>
-          <p:nvPr/>
-        </p:nvSpPr>
-        <p:spPr bwMode="auto">
-          <a:xfrm>
-            <a:off x="381000" y="29854525"/>
-            <a:ext cx="16230600" cy="923330"/>
-          </a:xfrm>
-          <a:prstGeom prst="rect">
-            <a:avLst/>
-          </a:prstGeom>
-          <a:noFill/>
-          <a:ln w="9525">
-            <a:noFill/>
-            <a:miter lim="800000"/>
-            <a:headEnd/>
-            <a:tailEnd/>
-          </a:ln>
-        </p:spPr>
-        <p:txBody>
-          <a:bodyPr>
-            <a:spAutoFit/>
-          </a:bodyPr>
-          <a:lstStyle/>
-          <a:p>
-            <a:r>
-              <a:rPr lang="en-US" sz="5400" dirty="0">
-                <a:solidFill>
-                  <a:schemeClr val="bg1"/>
-                </a:solidFill>
-                <a:latin typeface="Arial Black" pitchFamily="34" charset="0"/>
-              </a:rPr>
-              <a:t>Smart Urban Solutions / 3M Asia Pacific</a:t>
-            </a:r>
-          </a:p>
-        </p:txBody>
-      </p:sp>
-      <p:pic>
-        <p:nvPicPr>
-          <p:cNvPr id="2058" name="Picture 10"/>
-          <p:cNvPicPr>
-            <a:picLocks noChangeAspect="1" noChangeArrowheads="1"/>
-          </p:cNvPicPr>
-          <p:nvPr/>
-        </p:nvPicPr>
-        <p:blipFill>
-          <a:blip r:embed="rId7" cstate="print">
-            <a:extLst>
-              <a:ext uri="{BEBA8EAE-BF5A-486C-A8C5-ECC9F3942E4B}">
-                <a14:imgProps xmlns:a14="http://schemas.microsoft.com/office/drawing/2010/main">
-                  <a14:imgLayer r:embed="rId8">
-                    <a14:imgEffect>
-                      <a14:backgroundRemoval t="22222" b="91111" l="3306" r="89669">
-                        <a14:backgroundMark x1="26860" y1="29630" x2="26860" y2="29630"/>
-                        <a14:backgroundMark x1="38430" y1="36296" x2="38430" y2="36296"/>
-                      </a14:backgroundRemoval>
-                    </a14:imgEffect>
-                  </a14:imgLayer>
-                </a14:imgProps>
-              </a:ext>
-            </a:extLst>
-          </a:blip>
-          <a:srcRect t="13942"/>
-          <a:stretch>
-            <a:fillRect/>
-          </a:stretch>
-        </p:blipFill>
-        <p:spPr bwMode="auto">
-          <a:xfrm>
-            <a:off x="0" y="609600"/>
-            <a:ext cx="5257800" cy="2524125"/>
-          </a:xfrm>
-          <a:prstGeom prst="rect">
-            <a:avLst/>
-          </a:prstGeom>
-          <a:noFill/>
-          <a:ln w="9525" algn="ctr">
-            <a:noFill/>
-            <a:miter lim="800000"/>
-            <a:headEnd/>
-            <a:tailEnd/>
-          </a:ln>
-          <a:effectLst/>
         </p:spPr>
       </p:pic>
       <p:sp>
@@ -10481,53 +9144,6 @@
           </mc:Fallback>
         </mc:AlternateContent>
       </p:grpSp>
-      <p:pic>
-        <p:nvPicPr>
-          <p:cNvPr id="2" name="Picture 2" descr="Image result for 3m logo">
-            <a:extLst>
-              <a:ext uri="{FF2B5EF4-FFF2-40B4-BE49-F238E27FC236}">
-                <a16:creationId xmlns:a16="http://schemas.microsoft.com/office/drawing/2014/main" id="{AB3E2242-58B2-4FA0-843C-2DD9D6D193E7}"/>
-              </a:ext>
-            </a:extLst>
-          </p:cNvPr>
-          <p:cNvPicPr>
-            <a:picLocks noChangeAspect="1" noChangeArrowheads="1"/>
-          </p:cNvPicPr>
-          <p:nvPr/>
-        </p:nvPicPr>
-        <p:blipFill>
-          <a:blip r:embed="rId14">
-            <a:extLst>
-              <a:ext uri="{28A0092B-C50C-407E-A947-70E740481C1C}">
-                <a14:useLocalDpi xmlns:a14="http://schemas.microsoft.com/office/drawing/2010/main" val="0"/>
-              </a:ext>
-            </a:extLst>
-          </a:blip>
-          <a:srcRect/>
-          <a:stretch>
-            <a:fillRect/>
-          </a:stretch>
-        </p:blipFill>
-        <p:spPr bwMode="auto">
-          <a:xfrm>
-            <a:off x="13563600" y="31306508"/>
-            <a:ext cx="8203610" cy="1497009"/>
-          </a:xfrm>
-          <a:prstGeom prst="rect">
-            <a:avLst/>
-          </a:prstGeom>
-          <a:noFill/>
-          <a:extLst>
-            <a:ext uri="{909E8E84-426E-40DD-AFC4-6F175D3DCCD1}">
-              <a14:hiddenFill xmlns:a14="http://schemas.microsoft.com/office/drawing/2010/main">
-                <a:solidFill>
-                  <a:srgbClr val="FFFFFF"/>
-                </a:solidFill>
-              </a14:hiddenFill>
-            </a:ext>
-          </a:extLst>
-        </p:spPr>
-      </p:pic>
       <p:sp>
         <p:nvSpPr>
           <p:cNvPr id="54" name="TextBox 53">
@@ -10598,7 +9214,7 @@
             <p:nvPr/>
           </p:nvPicPr>
           <p:blipFill>
-            <a:blip r:embed="rId15"/>
+            <a:blip r:embed="rId14"/>
             <a:stretch>
               <a:fillRect/>
             </a:stretch>
@@ -10628,7 +9244,7 @@
             <p:nvPr/>
           </p:nvPicPr>
           <p:blipFill>
-            <a:blip r:embed="rId16">
+            <a:blip r:embed="rId15">
               <a:extLst>
                 <a:ext uri="{28A0092B-C50C-407E-A947-70E740481C1C}">
                   <a14:useLocalDpi xmlns:a14="http://schemas.microsoft.com/office/drawing/2010/main" val="0"/>
@@ -11595,3338 +10211,6 @@
     <p:extLst>
       <p:ext uri="{BB962C8B-B14F-4D97-AF65-F5344CB8AC3E}">
         <p14:creationId xmlns:p14="http://schemas.microsoft.com/office/powerpoint/2010/main" val="3701723649"/>
-      </p:ext>
-    </p:extLst>
-  </p:cSld>
-  <p:clrMapOvr>
-    <a:masterClrMapping/>
-  </p:clrMapOvr>
-</p:sld>
-</file>
-
-<file path=ppt/slides/slide3.xml><?xml version="1.0" encoding="utf-8"?>
-<p:sld xmlns:a="http://schemas.openxmlformats.org/drawingml/2006/main" xmlns:r="http://schemas.openxmlformats.org/officeDocument/2006/relationships" xmlns:p="http://schemas.openxmlformats.org/presentationml/2006/main">
-  <p:cSld>
-    <p:spTree>
-      <p:nvGrpSpPr>
-        <p:cNvPr id="1" name=""/>
-        <p:cNvGrpSpPr/>
-        <p:nvPr/>
-      </p:nvGrpSpPr>
-      <p:grpSpPr>
-        <a:xfrm>
-          <a:off x="0" y="0"/>
-          <a:ext cx="0" cy="0"/>
-          <a:chOff x="0" y="0"/>
-          <a:chExt cx="0" cy="0"/>
-        </a:xfrm>
-      </p:grpSpPr>
-      <p:pic>
-        <p:nvPicPr>
-          <p:cNvPr id="2062" name="Picture 2061">
-            <a:extLst>
-              <a:ext uri="{FF2B5EF4-FFF2-40B4-BE49-F238E27FC236}">
-                <a16:creationId xmlns:a16="http://schemas.microsoft.com/office/drawing/2014/main" id="{41B31D70-9225-473D-80CA-402259C535E8}"/>
-              </a:ext>
-            </a:extLst>
-          </p:cNvPr>
-          <p:cNvPicPr>
-            <a:picLocks noChangeAspect="1"/>
-          </p:cNvPicPr>
-          <p:nvPr/>
-        </p:nvPicPr>
-        <p:blipFill rotWithShape="1">
-          <a:blip r:embed="rId3">
-            <a:extLst>
-              <a:ext uri="{28A0092B-C50C-407E-A947-70E740481C1C}">
-                <a14:useLocalDpi xmlns:a14="http://schemas.microsoft.com/office/drawing/2010/main" val="0"/>
-              </a:ext>
-            </a:extLst>
-          </a:blip>
-          <a:srcRect t="6789" r="5820"/>
-          <a:stretch/>
-        </p:blipFill>
-        <p:spPr>
-          <a:xfrm>
-            <a:off x="16171231" y="5808760"/>
-            <a:ext cx="4857090" cy="3292877"/>
-          </a:xfrm>
-          <a:prstGeom prst="rect">
-            <a:avLst/>
-          </a:prstGeom>
-        </p:spPr>
-      </p:pic>
-      <p:sp>
-        <p:nvSpPr>
-          <p:cNvPr id="41" name="Rectangle 40"/>
-          <p:cNvSpPr/>
-          <p:nvPr/>
-        </p:nvSpPr>
-        <p:spPr bwMode="auto">
-          <a:xfrm>
-            <a:off x="0" y="29413200"/>
-            <a:ext cx="21945600" cy="3505200"/>
-          </a:xfrm>
-          <a:prstGeom prst="rect">
-            <a:avLst/>
-          </a:prstGeom>
-          <a:solidFill>
-            <a:schemeClr val="bg2">
-              <a:lumMod val="40000"/>
-              <a:lumOff val="60000"/>
-            </a:schemeClr>
-          </a:solidFill>
-          <a:ln w="9525" cap="flat" cmpd="sng" algn="ctr">
-            <a:noFill/>
-            <a:prstDash val="solid"/>
-            <a:round/>
-            <a:headEnd type="none" w="med" len="med"/>
-            <a:tailEnd type="none" w="med" len="med"/>
-          </a:ln>
-          <a:effectLst/>
-        </p:spPr>
-        <p:txBody>
-          <a:bodyPr/>
-          <a:lstStyle/>
-          <a:p>
-            <a:pPr defTabSz="3552825">
-              <a:defRPr/>
-            </a:pPr>
-            <a:endParaRPr lang="en-US" dirty="0"/>
-          </a:p>
-        </p:txBody>
-      </p:sp>
-      <p:sp>
-        <p:nvSpPr>
-          <p:cNvPr id="40" name="Rectangle 39"/>
-          <p:cNvSpPr/>
-          <p:nvPr/>
-        </p:nvSpPr>
-        <p:spPr bwMode="auto">
-          <a:xfrm>
-            <a:off x="0" y="0"/>
-            <a:ext cx="21945600" cy="4267200"/>
-          </a:xfrm>
-          <a:prstGeom prst="rect">
-            <a:avLst/>
-          </a:prstGeom>
-          <a:solidFill>
-            <a:schemeClr val="bg2">
-              <a:lumMod val="20000"/>
-              <a:lumOff val="80000"/>
-            </a:schemeClr>
-          </a:solidFill>
-          <a:ln w="9525" cap="flat" cmpd="sng" algn="ctr">
-            <a:noFill/>
-            <a:prstDash val="solid"/>
-            <a:round/>
-            <a:headEnd type="none" w="med" len="med"/>
-            <a:tailEnd type="none" w="med" len="med"/>
-          </a:ln>
-          <a:effectLst/>
-        </p:spPr>
-        <p:txBody>
-          <a:bodyPr/>
-          <a:lstStyle/>
-          <a:p>
-            <a:pPr defTabSz="3552825">
-              <a:defRPr/>
-            </a:pPr>
-            <a:endParaRPr lang="en-US"/>
-          </a:p>
-        </p:txBody>
-      </p:sp>
-      <p:sp>
-        <p:nvSpPr>
-          <p:cNvPr id="2052" name="Text Box 6"/>
-          <p:cNvSpPr txBox="1">
-            <a:spLocks noChangeArrowheads="1"/>
-          </p:cNvSpPr>
-          <p:nvPr/>
-        </p:nvSpPr>
-        <p:spPr bwMode="auto">
-          <a:xfrm>
-            <a:off x="5562600" y="292100"/>
-            <a:ext cx="16383000" cy="3231654"/>
-          </a:xfrm>
-          <a:prstGeom prst="rect">
-            <a:avLst/>
-          </a:prstGeom>
-          <a:noFill/>
-          <a:ln w="9525">
-            <a:noFill/>
-            <a:miter lim="800000"/>
-            <a:headEnd/>
-            <a:tailEnd/>
-          </a:ln>
-        </p:spPr>
-        <p:txBody>
-          <a:bodyPr>
-            <a:spAutoFit/>
-          </a:bodyPr>
-          <a:lstStyle/>
-          <a:p>
-            <a:pPr defTabSz="3552825"/>
-            <a:r>
-              <a:rPr lang="en-US" sz="7200" b="1" dirty="0">
-                <a:solidFill>
-                  <a:schemeClr val="bg1"/>
-                </a:solidFill>
-              </a:rPr>
-              <a:t>Smart Farm Monitoring System for Horticulture panel Lightning (HPL)</a:t>
-            </a:r>
-          </a:p>
-          <a:p>
-            <a:pPr defTabSz="3552825"/>
-            <a:r>
-              <a:rPr lang="en-US" sz="2000" b="1" dirty="0">
-                <a:solidFill>
-                  <a:schemeClr val="bg1"/>
-                </a:solidFill>
-              </a:rPr>
-              <a:t>Michael S. </a:t>
-            </a:r>
-            <a:r>
-              <a:rPr lang="en-US" sz="2000" b="1" dirty="0" err="1">
-                <a:solidFill>
-                  <a:schemeClr val="bg1"/>
-                </a:solidFill>
-              </a:rPr>
-              <a:t>Cubillas</a:t>
-            </a:r>
-            <a:r>
-              <a:rPr lang="en-US" sz="2000" b="1" dirty="0">
-                <a:solidFill>
-                  <a:schemeClr val="bg1"/>
-                </a:solidFill>
-              </a:rPr>
-              <a:t> / </a:t>
-            </a:r>
-            <a:r>
-              <a:rPr lang="en-US" sz="2000" b="1" dirty="0" err="1">
-                <a:solidFill>
-                  <a:schemeClr val="bg1"/>
-                </a:solidFill>
-              </a:rPr>
-              <a:t>Kok</a:t>
-            </a:r>
-            <a:r>
-              <a:rPr lang="en-US" sz="2000" b="1" dirty="0">
-                <a:solidFill>
-                  <a:schemeClr val="bg1"/>
-                </a:solidFill>
-              </a:rPr>
-              <a:t> Chain Loh (3M Asia Pacific </a:t>
-            </a:r>
-            <a:r>
-              <a:rPr lang="en-US" sz="2000" b="1" dirty="0" err="1">
-                <a:solidFill>
-                  <a:schemeClr val="bg1"/>
-                </a:solidFill>
-              </a:rPr>
-              <a:t>Ptd</a:t>
-            </a:r>
-            <a:r>
-              <a:rPr lang="en-US" sz="2000" b="1" dirty="0">
-                <a:solidFill>
-                  <a:schemeClr val="bg1"/>
-                </a:solidFill>
-              </a:rPr>
-              <a:t> Ltd) </a:t>
-            </a:r>
-          </a:p>
-          <a:p>
-            <a:pPr defTabSz="3552825"/>
-            <a:r>
-              <a:rPr lang="en-US" sz="2000" b="1" dirty="0">
-                <a:solidFill>
-                  <a:schemeClr val="bg1"/>
-                </a:solidFill>
-              </a:rPr>
-              <a:t>Lork Jun Hao Clement (Singapore University of Technology and Design)</a:t>
-            </a:r>
-          </a:p>
-          <a:p>
-            <a:pPr defTabSz="3552825"/>
-            <a:endParaRPr lang="en-US" sz="2000" b="1" dirty="0">
-              <a:solidFill>
-                <a:schemeClr val="bg1"/>
-              </a:solidFill>
-            </a:endParaRPr>
-          </a:p>
-        </p:txBody>
-      </p:sp>
-      <p:sp>
-        <p:nvSpPr>
-          <p:cNvPr id="2053" name="Text Box 14"/>
-          <p:cNvSpPr txBox="1">
-            <a:spLocks noChangeArrowheads="1"/>
-          </p:cNvSpPr>
-          <p:nvPr/>
-        </p:nvSpPr>
-        <p:spPr bwMode="auto">
-          <a:xfrm>
-            <a:off x="381000" y="31851600"/>
-            <a:ext cx="5435600" cy="701675"/>
-          </a:xfrm>
-          <a:prstGeom prst="rect">
-            <a:avLst/>
-          </a:prstGeom>
-          <a:noFill/>
-          <a:ln w="9525">
-            <a:noFill/>
-            <a:miter lim="800000"/>
-            <a:headEnd/>
-            <a:tailEnd/>
-          </a:ln>
-        </p:spPr>
-        <p:txBody>
-          <a:bodyPr wrap="none">
-            <a:spAutoFit/>
-          </a:bodyPr>
-          <a:lstStyle/>
-          <a:p>
-            <a:pPr defTabSz="3552825"/>
-            <a:r>
-              <a:rPr lang="en-US" sz="4000">
-                <a:solidFill>
-                  <a:schemeClr val="bg1"/>
-                </a:solidFill>
-                <a:latin typeface="Arial Black" pitchFamily="34" charset="0"/>
-              </a:rPr>
-              <a:t>3M CONFIDENTIAL</a:t>
-            </a:r>
-          </a:p>
-        </p:txBody>
-      </p:sp>
-      <p:sp>
-        <p:nvSpPr>
-          <p:cNvPr id="2054" name="TextBox 38"/>
-          <p:cNvSpPr txBox="1">
-            <a:spLocks noChangeArrowheads="1"/>
-          </p:cNvSpPr>
-          <p:nvPr/>
-        </p:nvSpPr>
-        <p:spPr bwMode="auto">
-          <a:xfrm>
-            <a:off x="381000" y="29854525"/>
-            <a:ext cx="16230600" cy="923330"/>
-          </a:xfrm>
-          <a:prstGeom prst="rect">
-            <a:avLst/>
-          </a:prstGeom>
-          <a:noFill/>
-          <a:ln w="9525">
-            <a:noFill/>
-            <a:miter lim="800000"/>
-            <a:headEnd/>
-            <a:tailEnd/>
-          </a:ln>
-        </p:spPr>
-        <p:txBody>
-          <a:bodyPr>
-            <a:spAutoFit/>
-          </a:bodyPr>
-          <a:lstStyle/>
-          <a:p>
-            <a:r>
-              <a:rPr lang="en-US" sz="5400" dirty="0">
-                <a:solidFill>
-                  <a:schemeClr val="bg1"/>
-                </a:solidFill>
-                <a:latin typeface="Arial Black" pitchFamily="34" charset="0"/>
-              </a:rPr>
-              <a:t>Smart Urban Solutions / 3M Asia Pacific</a:t>
-            </a:r>
-          </a:p>
-        </p:txBody>
-      </p:sp>
-      <p:pic>
-        <p:nvPicPr>
-          <p:cNvPr id="2058" name="Picture 10"/>
-          <p:cNvPicPr>
-            <a:picLocks noChangeAspect="1" noChangeArrowheads="1"/>
-          </p:cNvPicPr>
-          <p:nvPr/>
-        </p:nvPicPr>
-        <p:blipFill>
-          <a:blip r:embed="rId4" cstate="print"/>
-          <a:srcRect t="13942"/>
-          <a:stretch>
-            <a:fillRect/>
-          </a:stretch>
-        </p:blipFill>
-        <p:spPr bwMode="auto">
-          <a:xfrm>
-            <a:off x="0" y="609600"/>
-            <a:ext cx="5257800" cy="2524125"/>
-          </a:xfrm>
-          <a:prstGeom prst="rect">
-            <a:avLst/>
-          </a:prstGeom>
-          <a:noFill/>
-          <a:ln w="9525" algn="ctr">
-            <a:noFill/>
-            <a:miter lim="800000"/>
-            <a:headEnd/>
-            <a:tailEnd/>
-          </a:ln>
-          <a:effectLst/>
-        </p:spPr>
-      </p:pic>
-      <p:pic>
-        <p:nvPicPr>
-          <p:cNvPr id="3" name="Picture 2"/>
-          <p:cNvPicPr>
-            <a:picLocks noChangeAspect="1"/>
-          </p:cNvPicPr>
-          <p:nvPr/>
-        </p:nvPicPr>
-        <p:blipFill>
-          <a:blip r:embed="rId5">
-            <a:extLst>
-              <a:ext uri="{28A0092B-C50C-407E-A947-70E740481C1C}">
-                <a14:useLocalDpi xmlns:a14="http://schemas.microsoft.com/office/drawing/2010/main" val="0"/>
-              </a:ext>
-            </a:extLst>
-          </a:blip>
-          <a:stretch>
-            <a:fillRect/>
-          </a:stretch>
-        </p:blipFill>
-        <p:spPr>
-          <a:xfrm>
-            <a:off x="13335000" y="31294352"/>
-            <a:ext cx="8579883" cy="1624048"/>
-          </a:xfrm>
-          <a:prstGeom prst="rect">
-            <a:avLst/>
-          </a:prstGeom>
-        </p:spPr>
-      </p:pic>
-      <p:sp>
-        <p:nvSpPr>
-          <p:cNvPr id="4" name="Rectangle: Single Corner Snipped 3">
-            <a:extLst>
-              <a:ext uri="{FF2B5EF4-FFF2-40B4-BE49-F238E27FC236}">
-                <a16:creationId xmlns:a16="http://schemas.microsoft.com/office/drawing/2014/main" id="{53F5C38B-FAD5-435C-A58D-4CD42BAA9B97}"/>
-              </a:ext>
-            </a:extLst>
-          </p:cNvPr>
-          <p:cNvSpPr/>
-          <p:nvPr/>
-        </p:nvSpPr>
-        <p:spPr bwMode="auto">
-          <a:xfrm>
-            <a:off x="2463800" y="4559300"/>
-            <a:ext cx="5588000" cy="838200"/>
-          </a:xfrm>
-          <a:prstGeom prst="snip1Rect">
-            <a:avLst/>
-          </a:prstGeom>
-          <a:gradFill flip="none" rotWithShape="1">
-            <a:gsLst>
-              <a:gs pos="32000">
-                <a:schemeClr val="accent5">
-                  <a:lumMod val="50000"/>
-                </a:schemeClr>
-              </a:gs>
-              <a:gs pos="75000">
-                <a:schemeClr val="accent1">
-                  <a:lumMod val="90000"/>
-                </a:schemeClr>
-              </a:gs>
-            </a:gsLst>
-            <a:lin ang="2700000" scaled="1"/>
-            <a:tileRect/>
-          </a:gradFill>
-          <a:ln w="9525" cap="flat" cmpd="sng" algn="ctr">
-            <a:noFill/>
-            <a:prstDash val="solid"/>
-            <a:round/>
-            <a:headEnd type="none" w="med" len="med"/>
-            <a:tailEnd type="none" w="med" len="med"/>
-          </a:ln>
-          <a:effectLst/>
-        </p:spPr>
-        <p:txBody>
-          <a:bodyPr vert="horz" wrap="square" lIns="91440" tIns="45720" rIns="91440" bIns="45720" numCol="1" rtlCol="0" anchor="t" anchorCtr="0" compatLnSpc="1">
-            <a:prstTxWarp prst="textNoShape">
-              <a:avLst/>
-            </a:prstTxWarp>
-          </a:bodyPr>
-          <a:lstStyle/>
-          <a:p>
-            <a:pPr marL="0" marR="0" indent="0" algn="ctr" defTabSz="3552825" rtl="0" eaLnBrk="1" fontAlgn="base" latinLnBrk="0" hangingPunct="1">
-              <a:lnSpc>
-                <a:spcPct val="100000"/>
-              </a:lnSpc>
-              <a:spcBef>
-                <a:spcPct val="0"/>
-              </a:spcBef>
-              <a:spcAft>
-                <a:spcPct val="0"/>
-              </a:spcAft>
-              <a:buClrTx/>
-              <a:buSzTx/>
-              <a:buFontTx/>
-              <a:buNone/>
-              <a:tabLst/>
-            </a:pPr>
-            <a:r>
-              <a:rPr lang="en-GB" sz="4800" dirty="0">
-                <a:solidFill>
-                  <a:schemeClr val="bg1"/>
-                </a:solidFill>
-                <a:latin typeface="+mj-lt"/>
-                <a:cs typeface="Calibri" panose="020F0502020204030204" pitchFamily="34" charset="0"/>
-              </a:rPr>
-              <a:t>Introduction</a:t>
-            </a:r>
-            <a:endParaRPr kumimoji="0" lang="en-GB" sz="4800" b="0" i="0" u="none" strike="noStrike" cap="none" normalizeH="0" baseline="0" dirty="0">
-              <a:ln>
-                <a:noFill/>
-              </a:ln>
-              <a:solidFill>
-                <a:schemeClr val="bg1"/>
-              </a:solidFill>
-              <a:effectLst/>
-              <a:latin typeface="+mj-lt"/>
-              <a:cs typeface="Calibri" panose="020F0502020204030204" pitchFamily="34" charset="0"/>
-            </a:endParaRPr>
-          </a:p>
-        </p:txBody>
-      </p:sp>
-      <p:sp>
-        <p:nvSpPr>
-          <p:cNvPr id="16" name="Rectangle: Single Corner Snipped 15">
-            <a:extLst>
-              <a:ext uri="{FF2B5EF4-FFF2-40B4-BE49-F238E27FC236}">
-                <a16:creationId xmlns:a16="http://schemas.microsoft.com/office/drawing/2014/main" id="{77729B4D-AF1E-4806-B074-AB3CF8DDC349}"/>
-              </a:ext>
-            </a:extLst>
-          </p:cNvPr>
-          <p:cNvSpPr/>
-          <p:nvPr/>
-        </p:nvSpPr>
-        <p:spPr bwMode="auto">
-          <a:xfrm>
-            <a:off x="2463800" y="10841831"/>
-            <a:ext cx="5588000" cy="838200"/>
-          </a:xfrm>
-          <a:prstGeom prst="snip1Rect">
-            <a:avLst/>
-          </a:prstGeom>
-          <a:gradFill flip="none" rotWithShape="1">
-            <a:gsLst>
-              <a:gs pos="32000">
-                <a:schemeClr val="accent5">
-                  <a:lumMod val="50000"/>
-                </a:schemeClr>
-              </a:gs>
-              <a:gs pos="75000">
-                <a:schemeClr val="accent1">
-                  <a:lumMod val="90000"/>
-                </a:schemeClr>
-              </a:gs>
-            </a:gsLst>
-            <a:lin ang="2700000" scaled="1"/>
-            <a:tileRect/>
-          </a:gradFill>
-          <a:ln w="9525" cap="flat" cmpd="sng" algn="ctr">
-            <a:noFill/>
-            <a:prstDash val="solid"/>
-            <a:round/>
-            <a:headEnd type="none" w="med" len="med"/>
-            <a:tailEnd type="none" w="med" len="med"/>
-          </a:ln>
-          <a:effectLst/>
-        </p:spPr>
-        <p:txBody>
-          <a:bodyPr vert="horz" wrap="square" lIns="91440" tIns="45720" rIns="91440" bIns="45720" numCol="1" rtlCol="0" anchor="t" anchorCtr="0" compatLnSpc="1">
-            <a:prstTxWarp prst="textNoShape">
-              <a:avLst/>
-            </a:prstTxWarp>
-          </a:bodyPr>
-          <a:lstStyle/>
-          <a:p>
-            <a:pPr marL="0" marR="0" indent="0" algn="ctr" defTabSz="3552825" rtl="0" eaLnBrk="1" fontAlgn="base" latinLnBrk="0" hangingPunct="1">
-              <a:lnSpc>
-                <a:spcPct val="100000"/>
-              </a:lnSpc>
-              <a:spcBef>
-                <a:spcPct val="0"/>
-              </a:spcBef>
-              <a:spcAft>
-                <a:spcPct val="0"/>
-              </a:spcAft>
-              <a:buClrTx/>
-              <a:buSzTx/>
-              <a:buFontTx/>
-              <a:buNone/>
-              <a:tabLst/>
-            </a:pPr>
-            <a:r>
-              <a:rPr lang="en-GB" sz="4800" dirty="0">
-                <a:solidFill>
-                  <a:schemeClr val="bg1"/>
-                </a:solidFill>
-                <a:latin typeface="+mj-lt"/>
-                <a:cs typeface="Calibri" panose="020F0502020204030204" pitchFamily="34" charset="0"/>
-              </a:rPr>
-              <a:t>HPL Setup</a:t>
-            </a:r>
-            <a:endParaRPr kumimoji="0" lang="en-GB" sz="4800" b="0" i="0" u="none" strike="noStrike" cap="none" normalizeH="0" baseline="0" dirty="0">
-              <a:ln>
-                <a:noFill/>
-              </a:ln>
-              <a:solidFill>
-                <a:schemeClr val="bg1"/>
-              </a:solidFill>
-              <a:effectLst/>
-              <a:latin typeface="+mj-lt"/>
-              <a:cs typeface="Calibri" panose="020F0502020204030204" pitchFamily="34" charset="0"/>
-            </a:endParaRPr>
-          </a:p>
-        </p:txBody>
-      </p:sp>
-      <p:sp>
-        <p:nvSpPr>
-          <p:cNvPr id="17" name="Rectangle: Single Corner Snipped 16">
-            <a:extLst>
-              <a:ext uri="{FF2B5EF4-FFF2-40B4-BE49-F238E27FC236}">
-                <a16:creationId xmlns:a16="http://schemas.microsoft.com/office/drawing/2014/main" id="{E491B85F-81F0-4221-AE4D-4AF60CBFC8BB}"/>
-              </a:ext>
-            </a:extLst>
-          </p:cNvPr>
-          <p:cNvSpPr/>
-          <p:nvPr/>
-        </p:nvSpPr>
-        <p:spPr bwMode="auto">
-          <a:xfrm>
-            <a:off x="2463800" y="17778375"/>
-            <a:ext cx="5588000" cy="838200"/>
-          </a:xfrm>
-          <a:prstGeom prst="snip1Rect">
-            <a:avLst/>
-          </a:prstGeom>
-          <a:gradFill flip="none" rotWithShape="1">
-            <a:gsLst>
-              <a:gs pos="32000">
-                <a:schemeClr val="accent5">
-                  <a:lumMod val="50000"/>
-                </a:schemeClr>
-              </a:gs>
-              <a:gs pos="75000">
-                <a:schemeClr val="accent1">
-                  <a:lumMod val="90000"/>
-                </a:schemeClr>
-              </a:gs>
-            </a:gsLst>
-            <a:lin ang="2700000" scaled="1"/>
-            <a:tileRect/>
-          </a:gradFill>
-          <a:ln w="9525" cap="flat" cmpd="sng" algn="ctr">
-            <a:noFill/>
-            <a:prstDash val="solid"/>
-            <a:round/>
-            <a:headEnd type="none" w="med" len="med"/>
-            <a:tailEnd type="none" w="med" len="med"/>
-          </a:ln>
-          <a:effectLst/>
-        </p:spPr>
-        <p:txBody>
-          <a:bodyPr vert="horz" wrap="square" lIns="91440" tIns="45720" rIns="91440" bIns="45720" numCol="1" rtlCol="0" anchor="t" anchorCtr="0" compatLnSpc="1">
-            <a:prstTxWarp prst="textNoShape">
-              <a:avLst/>
-            </a:prstTxWarp>
-          </a:bodyPr>
-          <a:lstStyle/>
-          <a:p>
-            <a:pPr marL="0" marR="0" indent="0" algn="ctr" defTabSz="3552825" rtl="0" eaLnBrk="1" fontAlgn="base" latinLnBrk="0" hangingPunct="1">
-              <a:lnSpc>
-                <a:spcPct val="100000"/>
-              </a:lnSpc>
-              <a:spcBef>
-                <a:spcPct val="0"/>
-              </a:spcBef>
-              <a:spcAft>
-                <a:spcPct val="0"/>
-              </a:spcAft>
-              <a:buClrTx/>
-              <a:buSzTx/>
-              <a:buFontTx/>
-              <a:buNone/>
-              <a:tabLst/>
-            </a:pPr>
-            <a:r>
-              <a:rPr lang="en-GB" sz="4800" dirty="0">
-                <a:solidFill>
-                  <a:schemeClr val="bg1"/>
-                </a:solidFill>
-                <a:latin typeface="+mj-lt"/>
-                <a:cs typeface="Calibri" panose="020F0502020204030204" pitchFamily="34" charset="0"/>
-              </a:rPr>
-              <a:t>Data Collection</a:t>
-            </a:r>
-            <a:endParaRPr kumimoji="0" lang="en-GB" sz="4800" b="0" i="0" u="none" strike="noStrike" cap="none" normalizeH="0" baseline="0" dirty="0">
-              <a:ln>
-                <a:noFill/>
-              </a:ln>
-              <a:solidFill>
-                <a:schemeClr val="bg1"/>
-              </a:solidFill>
-              <a:effectLst/>
-              <a:latin typeface="+mj-lt"/>
-              <a:cs typeface="Calibri" panose="020F0502020204030204" pitchFamily="34" charset="0"/>
-            </a:endParaRPr>
-          </a:p>
-        </p:txBody>
-      </p:sp>
-      <p:sp>
-        <p:nvSpPr>
-          <p:cNvPr id="18" name="Rectangle: Single Corner Snipped 17">
-            <a:extLst>
-              <a:ext uri="{FF2B5EF4-FFF2-40B4-BE49-F238E27FC236}">
-                <a16:creationId xmlns:a16="http://schemas.microsoft.com/office/drawing/2014/main" id="{CE2FC1A4-9D98-410D-B0D0-8AD47DD360CD}"/>
-              </a:ext>
-            </a:extLst>
-          </p:cNvPr>
-          <p:cNvSpPr/>
-          <p:nvPr/>
-        </p:nvSpPr>
-        <p:spPr bwMode="auto">
-          <a:xfrm>
-            <a:off x="13828460" y="4542436"/>
-            <a:ext cx="5588000" cy="838200"/>
-          </a:xfrm>
-          <a:prstGeom prst="snip1Rect">
-            <a:avLst/>
-          </a:prstGeom>
-          <a:gradFill flip="none" rotWithShape="1">
-            <a:gsLst>
-              <a:gs pos="32000">
-                <a:schemeClr val="accent5">
-                  <a:lumMod val="50000"/>
-                </a:schemeClr>
-              </a:gs>
-              <a:gs pos="75000">
-                <a:schemeClr val="accent1">
-                  <a:lumMod val="90000"/>
-                </a:schemeClr>
-              </a:gs>
-            </a:gsLst>
-            <a:lin ang="2700000" scaled="1"/>
-            <a:tileRect/>
-          </a:gradFill>
-          <a:ln w="9525" cap="flat" cmpd="sng" algn="ctr">
-            <a:noFill/>
-            <a:prstDash val="solid"/>
-            <a:round/>
-            <a:headEnd type="none" w="med" len="med"/>
-            <a:tailEnd type="none" w="med" len="med"/>
-          </a:ln>
-          <a:effectLst/>
-        </p:spPr>
-        <p:txBody>
-          <a:bodyPr vert="horz" wrap="square" lIns="91440" tIns="45720" rIns="91440" bIns="45720" numCol="1" rtlCol="0" anchor="t" anchorCtr="0" compatLnSpc="1">
-            <a:prstTxWarp prst="textNoShape">
-              <a:avLst/>
-            </a:prstTxWarp>
-          </a:bodyPr>
-          <a:lstStyle/>
-          <a:p>
-            <a:pPr marL="0" marR="0" indent="0" algn="ctr" defTabSz="3552825" rtl="0" eaLnBrk="1" fontAlgn="base" latinLnBrk="0" hangingPunct="1">
-              <a:lnSpc>
-                <a:spcPct val="100000"/>
-              </a:lnSpc>
-              <a:spcBef>
-                <a:spcPct val="0"/>
-              </a:spcBef>
-              <a:spcAft>
-                <a:spcPct val="0"/>
-              </a:spcAft>
-              <a:buClrTx/>
-              <a:buSzTx/>
-              <a:buFontTx/>
-              <a:buNone/>
-              <a:tabLst/>
-            </a:pPr>
-            <a:r>
-              <a:rPr kumimoji="0" lang="en-GB" sz="4800" b="0" i="0" u="none" strike="noStrike" cap="none" normalizeH="0" baseline="0" dirty="0">
-                <a:ln>
-                  <a:noFill/>
-                </a:ln>
-                <a:solidFill>
-                  <a:schemeClr val="bg1"/>
-                </a:solidFill>
-                <a:effectLst/>
-                <a:latin typeface="+mj-lt"/>
-                <a:cs typeface="Calibri" panose="020F0502020204030204" pitchFamily="34" charset="0"/>
-              </a:rPr>
-              <a:t>Data Processing</a:t>
-            </a:r>
-          </a:p>
-        </p:txBody>
-      </p:sp>
-      <p:sp>
-        <p:nvSpPr>
-          <p:cNvPr id="19" name="Rectangle: Single Corner Snipped 18">
-            <a:extLst>
-              <a:ext uri="{FF2B5EF4-FFF2-40B4-BE49-F238E27FC236}">
-                <a16:creationId xmlns:a16="http://schemas.microsoft.com/office/drawing/2014/main" id="{993C51F9-8000-448B-99C8-A1626FF7CEBF}"/>
-              </a:ext>
-            </a:extLst>
-          </p:cNvPr>
-          <p:cNvSpPr/>
-          <p:nvPr/>
-        </p:nvSpPr>
-        <p:spPr bwMode="auto">
-          <a:xfrm>
-            <a:off x="13828460" y="10378142"/>
-            <a:ext cx="5588000" cy="838200"/>
-          </a:xfrm>
-          <a:prstGeom prst="snip1Rect">
-            <a:avLst/>
-          </a:prstGeom>
-          <a:gradFill flip="none" rotWithShape="1">
-            <a:gsLst>
-              <a:gs pos="32000">
-                <a:schemeClr val="accent5">
-                  <a:lumMod val="50000"/>
-                </a:schemeClr>
-              </a:gs>
-              <a:gs pos="75000">
-                <a:schemeClr val="accent1">
-                  <a:lumMod val="90000"/>
-                </a:schemeClr>
-              </a:gs>
-            </a:gsLst>
-            <a:lin ang="2700000" scaled="1"/>
-            <a:tileRect/>
-          </a:gradFill>
-          <a:ln w="9525" cap="flat" cmpd="sng" algn="ctr">
-            <a:noFill/>
-            <a:prstDash val="solid"/>
-            <a:round/>
-            <a:headEnd type="none" w="med" len="med"/>
-            <a:tailEnd type="none" w="med" len="med"/>
-          </a:ln>
-          <a:effectLst/>
-        </p:spPr>
-        <p:txBody>
-          <a:bodyPr vert="horz" wrap="square" lIns="91440" tIns="45720" rIns="91440" bIns="45720" numCol="1" rtlCol="0" anchor="t" anchorCtr="0" compatLnSpc="1">
-            <a:prstTxWarp prst="textNoShape">
-              <a:avLst/>
-            </a:prstTxWarp>
-          </a:bodyPr>
-          <a:lstStyle/>
-          <a:p>
-            <a:pPr marL="0" marR="0" indent="0" algn="ctr" defTabSz="3552825" rtl="0" eaLnBrk="1" fontAlgn="base" latinLnBrk="0" hangingPunct="1">
-              <a:lnSpc>
-                <a:spcPct val="100000"/>
-              </a:lnSpc>
-              <a:spcBef>
-                <a:spcPct val="0"/>
-              </a:spcBef>
-              <a:spcAft>
-                <a:spcPct val="0"/>
-              </a:spcAft>
-              <a:buClrTx/>
-              <a:buSzTx/>
-              <a:buFontTx/>
-              <a:buNone/>
-              <a:tabLst/>
-            </a:pPr>
-            <a:r>
-              <a:rPr kumimoji="0" lang="en-GB" sz="3600" b="0" i="0" u="none" strike="noStrike" cap="none" normalizeH="0" baseline="0" dirty="0">
-                <a:ln>
-                  <a:noFill/>
-                </a:ln>
-                <a:solidFill>
-                  <a:schemeClr val="bg1"/>
-                </a:solidFill>
-                <a:effectLst/>
-                <a:latin typeface="+mj-lt"/>
-                <a:cs typeface="Calibri" panose="020F0502020204030204" pitchFamily="34" charset="0"/>
-              </a:rPr>
-              <a:t>Analysis and Discussion</a:t>
-            </a:r>
-          </a:p>
-        </p:txBody>
-      </p:sp>
-      <p:cxnSp>
-        <p:nvCxnSpPr>
-          <p:cNvPr id="9" name="Straight Connector 8">
-            <a:extLst>
-              <a:ext uri="{FF2B5EF4-FFF2-40B4-BE49-F238E27FC236}">
-                <a16:creationId xmlns:a16="http://schemas.microsoft.com/office/drawing/2014/main" id="{593E819E-8BFA-4512-8914-13EBE2D8D6ED}"/>
-              </a:ext>
-            </a:extLst>
-          </p:cNvPr>
-          <p:cNvCxnSpPr>
-            <a:cxnSpLocks/>
-          </p:cNvCxnSpPr>
-          <p:nvPr/>
-        </p:nvCxnSpPr>
-        <p:spPr bwMode="auto">
-          <a:xfrm>
-            <a:off x="10972800" y="5397500"/>
-            <a:ext cx="0" cy="22872700"/>
-          </a:xfrm>
-          <a:prstGeom prst="line">
-            <a:avLst/>
-          </a:prstGeom>
-          <a:ln>
-            <a:headEnd type="none" w="med" len="med"/>
-            <a:tailEnd type="none" w="med" len="med"/>
-          </a:ln>
-        </p:spPr>
-        <p:style>
-          <a:lnRef idx="1">
-            <a:schemeClr val="accent1"/>
-          </a:lnRef>
-          <a:fillRef idx="0">
-            <a:schemeClr val="accent1"/>
-          </a:fillRef>
-          <a:effectRef idx="0">
-            <a:schemeClr val="accent1"/>
-          </a:effectRef>
-          <a:fontRef idx="minor">
-            <a:schemeClr val="tx1"/>
-          </a:fontRef>
-        </p:style>
-      </p:cxnSp>
-      <p:sp>
-        <p:nvSpPr>
-          <p:cNvPr id="31" name="Rectangle: Single Corner Snipped 30">
-            <a:extLst>
-              <a:ext uri="{FF2B5EF4-FFF2-40B4-BE49-F238E27FC236}">
-                <a16:creationId xmlns:a16="http://schemas.microsoft.com/office/drawing/2014/main" id="{E21252C6-632A-4AC6-94B4-76B7BEE8BF05}"/>
-              </a:ext>
-            </a:extLst>
-          </p:cNvPr>
-          <p:cNvSpPr/>
-          <p:nvPr/>
-        </p:nvSpPr>
-        <p:spPr bwMode="auto">
-          <a:xfrm>
-            <a:off x="13828460" y="25773966"/>
-            <a:ext cx="5588000" cy="838200"/>
-          </a:xfrm>
-          <a:prstGeom prst="snip1Rect">
-            <a:avLst/>
-          </a:prstGeom>
-          <a:gradFill flip="none" rotWithShape="1">
-            <a:gsLst>
-              <a:gs pos="32000">
-                <a:schemeClr val="accent5">
-                  <a:lumMod val="50000"/>
-                </a:schemeClr>
-              </a:gs>
-              <a:gs pos="75000">
-                <a:schemeClr val="accent1">
-                  <a:lumMod val="90000"/>
-                </a:schemeClr>
-              </a:gs>
-            </a:gsLst>
-            <a:lin ang="2700000" scaled="1"/>
-            <a:tileRect/>
-          </a:gradFill>
-          <a:ln w="9525" cap="flat" cmpd="sng" algn="ctr">
-            <a:noFill/>
-            <a:prstDash val="solid"/>
-            <a:round/>
-            <a:headEnd type="none" w="med" len="med"/>
-            <a:tailEnd type="none" w="med" len="med"/>
-          </a:ln>
-          <a:effectLst/>
-        </p:spPr>
-        <p:txBody>
-          <a:bodyPr vert="horz" wrap="square" lIns="91440" tIns="45720" rIns="91440" bIns="45720" numCol="1" rtlCol="0" anchor="t" anchorCtr="0" compatLnSpc="1">
-            <a:prstTxWarp prst="textNoShape">
-              <a:avLst/>
-            </a:prstTxWarp>
-          </a:bodyPr>
-          <a:lstStyle/>
-          <a:p>
-            <a:pPr marL="0" marR="0" indent="0" algn="ctr" defTabSz="3552825" rtl="0" eaLnBrk="1" fontAlgn="base" latinLnBrk="0" hangingPunct="1">
-              <a:lnSpc>
-                <a:spcPct val="100000"/>
-              </a:lnSpc>
-              <a:spcBef>
-                <a:spcPct val="0"/>
-              </a:spcBef>
-              <a:spcAft>
-                <a:spcPct val="0"/>
-              </a:spcAft>
-              <a:buClrTx/>
-              <a:buSzTx/>
-              <a:buFontTx/>
-              <a:buNone/>
-              <a:tabLst/>
-            </a:pPr>
-            <a:r>
-              <a:rPr kumimoji="0" lang="en-GB" sz="4800" b="0" i="0" u="none" strike="noStrike" cap="none" normalizeH="0" baseline="0" dirty="0">
-                <a:ln>
-                  <a:noFill/>
-                </a:ln>
-                <a:solidFill>
-                  <a:schemeClr val="bg1"/>
-                </a:solidFill>
-                <a:effectLst/>
-                <a:latin typeface="+mj-lt"/>
-                <a:cs typeface="Calibri" panose="020F0502020204030204" pitchFamily="34" charset="0"/>
-              </a:rPr>
-              <a:t>References</a:t>
-            </a:r>
-          </a:p>
-        </p:txBody>
-      </p:sp>
-      <p:sp>
-        <p:nvSpPr>
-          <p:cNvPr id="58" name="TextBox 57">
-            <a:extLst>
-              <a:ext uri="{FF2B5EF4-FFF2-40B4-BE49-F238E27FC236}">
-                <a16:creationId xmlns:a16="http://schemas.microsoft.com/office/drawing/2014/main" id="{17980E63-A6CC-43D2-B72D-EC48025E2763}"/>
-              </a:ext>
-            </a:extLst>
-          </p:cNvPr>
-          <p:cNvSpPr txBox="1"/>
-          <p:nvPr/>
-        </p:nvSpPr>
-        <p:spPr>
-          <a:xfrm>
-            <a:off x="11309963" y="11544748"/>
-            <a:ext cx="2719014" cy="400110"/>
-          </a:xfrm>
-          <a:prstGeom prst="rect">
-            <a:avLst/>
-          </a:prstGeom>
-          <a:noFill/>
-        </p:spPr>
-        <p:txBody>
-          <a:bodyPr wrap="none" rtlCol="0">
-            <a:spAutoFit/>
-          </a:bodyPr>
-          <a:lstStyle/>
-          <a:p>
-            <a:r>
-              <a:rPr lang="en-GB" sz="2000" b="1" dirty="0"/>
-              <a:t>Plant Model Building</a:t>
-            </a:r>
-          </a:p>
-        </p:txBody>
-      </p:sp>
-      <p:sp>
-        <p:nvSpPr>
-          <p:cNvPr id="59" name="Rectangle 58">
-            <a:extLst>
-              <a:ext uri="{FF2B5EF4-FFF2-40B4-BE49-F238E27FC236}">
-                <a16:creationId xmlns:a16="http://schemas.microsoft.com/office/drawing/2014/main" id="{B8A02E10-163C-4685-97B3-8760DD17CE47}"/>
-              </a:ext>
-            </a:extLst>
-          </p:cNvPr>
-          <p:cNvSpPr/>
-          <p:nvPr/>
-        </p:nvSpPr>
-        <p:spPr>
-          <a:xfrm>
-            <a:off x="11466707" y="27093157"/>
-            <a:ext cx="9542564" cy="1015663"/>
-          </a:xfrm>
-          <a:prstGeom prst="rect">
-            <a:avLst/>
-          </a:prstGeom>
-        </p:spPr>
-        <p:txBody>
-          <a:bodyPr wrap="square">
-            <a:spAutoFit/>
-          </a:bodyPr>
-          <a:lstStyle/>
-          <a:p>
-            <a:pPr marL="285750" indent="-285750">
-              <a:buFont typeface="+mj-lt"/>
-              <a:buAutoNum type="romanUcPeriod"/>
-            </a:pPr>
-            <a:r>
-              <a:rPr lang="en-US" sz="1200" dirty="0">
-                <a:latin typeface="Arial" panose="020B0604020202020204" pitchFamily="34" charset="0"/>
-              </a:rPr>
-              <a:t>Paine, C. T., </a:t>
-            </a:r>
-            <a:r>
-              <a:rPr lang="en-US" sz="1200" dirty="0" err="1">
-                <a:latin typeface="Arial" panose="020B0604020202020204" pitchFamily="34" charset="0"/>
-              </a:rPr>
-              <a:t>Marthews</a:t>
-            </a:r>
-            <a:r>
-              <a:rPr lang="en-US" sz="1200" dirty="0">
-                <a:latin typeface="Arial" panose="020B0604020202020204" pitchFamily="34" charset="0"/>
-              </a:rPr>
-              <a:t>, T. R., Vogt, D. R., Purves, D., Rees, M., Hector, A., &amp; Turnbull, L. A. (2012). How to fit nonlinear plant growth models and calculate growth rates: an update for ecologists. </a:t>
-            </a:r>
-            <a:r>
-              <a:rPr lang="en-US" sz="1200" i="1" dirty="0">
-                <a:latin typeface="Arial" panose="020B0604020202020204" pitchFamily="34" charset="0"/>
-              </a:rPr>
-              <a:t>Methods in Ecology and Evolution</a:t>
-            </a:r>
-            <a:r>
-              <a:rPr lang="en-US" sz="1200" dirty="0">
-                <a:latin typeface="Arial" panose="020B0604020202020204" pitchFamily="34" charset="0"/>
-              </a:rPr>
-              <a:t>, </a:t>
-            </a:r>
-            <a:r>
-              <a:rPr lang="en-US" sz="1200" i="1" dirty="0">
-                <a:latin typeface="Arial" panose="020B0604020202020204" pitchFamily="34" charset="0"/>
-              </a:rPr>
-              <a:t>3</a:t>
-            </a:r>
-            <a:r>
-              <a:rPr lang="en-US" sz="1200" dirty="0">
-                <a:latin typeface="Arial" panose="020B0604020202020204" pitchFamily="34" charset="0"/>
-              </a:rPr>
-              <a:t>(2), 245-256.</a:t>
-            </a:r>
-          </a:p>
-          <a:p>
-            <a:pPr marL="228600" indent="-228600">
-              <a:buFont typeface="+mj-lt"/>
-              <a:buAutoNum type="romanUcPeriod"/>
-            </a:pPr>
-            <a:endParaRPr lang="en-US" sz="1200" dirty="0"/>
-          </a:p>
-          <a:p>
-            <a:pPr marL="228600" indent="-228600">
-              <a:buFont typeface="+mj-lt"/>
-              <a:buAutoNum type="romanUcPeriod"/>
-            </a:pPr>
-            <a:r>
-              <a:rPr lang="en-US" sz="1200" dirty="0"/>
-              <a:t>Chen, T. W., Chen, Y. L., &amp; </a:t>
-            </a:r>
-            <a:r>
-              <a:rPr lang="en-US" sz="1200" dirty="0" err="1"/>
-              <a:t>Chien</a:t>
-            </a:r>
-            <a:r>
-              <a:rPr lang="en-US" sz="1200" dirty="0"/>
-              <a:t>, S. Y. (2008, October). Fast image segmentation based on K-Means clustering with histograms in HSV color space. In </a:t>
-            </a:r>
-            <a:r>
-              <a:rPr lang="en-US" sz="1200" i="1" dirty="0"/>
-              <a:t>multimedia signal processing, 2008 IEEE 10th Workshop on</a:t>
-            </a:r>
-            <a:r>
-              <a:rPr lang="en-US" sz="1200" dirty="0"/>
-              <a:t> (pp. 322-325). IEEE.</a:t>
-            </a:r>
-            <a:endParaRPr lang="en-GB" sz="1200" dirty="0"/>
-          </a:p>
-        </p:txBody>
-      </p:sp>
-      <p:sp>
-        <p:nvSpPr>
-          <p:cNvPr id="60" name="TextBox 59">
-            <a:extLst>
-              <a:ext uri="{FF2B5EF4-FFF2-40B4-BE49-F238E27FC236}">
-                <a16:creationId xmlns:a16="http://schemas.microsoft.com/office/drawing/2014/main" id="{F32FFFD1-7B22-4DC7-ACD9-B9D0E9CBDA57}"/>
-              </a:ext>
-            </a:extLst>
-          </p:cNvPr>
-          <p:cNvSpPr txBox="1"/>
-          <p:nvPr/>
-        </p:nvSpPr>
-        <p:spPr>
-          <a:xfrm>
-            <a:off x="11309964" y="12051889"/>
-            <a:ext cx="9718358" cy="1246495"/>
-          </a:xfrm>
-          <a:prstGeom prst="rect">
-            <a:avLst/>
-          </a:prstGeom>
-          <a:noFill/>
-        </p:spPr>
-        <p:txBody>
-          <a:bodyPr wrap="square" rtlCol="0">
-            <a:spAutoFit/>
-          </a:bodyPr>
-          <a:lstStyle/>
-          <a:p>
-            <a:pPr algn="just"/>
-            <a:r>
-              <a:rPr lang="en-GB" sz="1500" dirty="0"/>
-              <a:t>Plants growing under non resource constrained situations tend to grow in a exponential pattern according to [I].</a:t>
-            </a:r>
-          </a:p>
-          <a:p>
-            <a:pPr algn="just"/>
-            <a:r>
-              <a:rPr lang="en-GB" sz="1500" dirty="0"/>
-              <a:t>Here we extend this model to our experimental setup, considering the 4 controllable factors in our system</a:t>
-            </a:r>
-          </a:p>
-          <a:p>
-            <a:pPr algn="just"/>
-            <a:r>
-              <a:rPr lang="en-GB" sz="1500" dirty="0"/>
-              <a:t>(Red lighting level, Blue lightning level, pH and EC), for which they are assumed to attenuate the natural maximum growth rate of the plant. The uncontrollable factors like room temperature, co2 levels are lumped together as a constant as they do not change much during the course of the experiment.</a:t>
-            </a:r>
-          </a:p>
-        </p:txBody>
-      </p:sp>
-      <p:pic>
-        <p:nvPicPr>
-          <p:cNvPr id="63" name="Picture 62">
-            <a:extLst>
-              <a:ext uri="{FF2B5EF4-FFF2-40B4-BE49-F238E27FC236}">
-                <a16:creationId xmlns:a16="http://schemas.microsoft.com/office/drawing/2014/main" id="{BDC32C5A-3815-4291-97D6-88AAE65E8CC0}"/>
-              </a:ext>
-            </a:extLst>
-          </p:cNvPr>
-          <p:cNvPicPr>
-            <a:picLocks noChangeAspect="1"/>
-          </p:cNvPicPr>
-          <p:nvPr/>
-        </p:nvPicPr>
-        <p:blipFill>
-          <a:blip r:embed="rId6"/>
-          <a:stretch>
-            <a:fillRect/>
-          </a:stretch>
-        </p:blipFill>
-        <p:spPr>
-          <a:xfrm>
-            <a:off x="11373475" y="6343795"/>
-            <a:ext cx="4978036" cy="2758528"/>
-          </a:xfrm>
-          <a:prstGeom prst="rect">
-            <a:avLst/>
-          </a:prstGeom>
-        </p:spPr>
-      </p:pic>
-      <p:sp>
-        <p:nvSpPr>
-          <p:cNvPr id="92" name="TextBox 91">
-            <a:extLst>
-              <a:ext uri="{FF2B5EF4-FFF2-40B4-BE49-F238E27FC236}">
-                <a16:creationId xmlns:a16="http://schemas.microsoft.com/office/drawing/2014/main" id="{4E6C353D-F13D-497F-A9FF-604FC8217BA3}"/>
-              </a:ext>
-            </a:extLst>
-          </p:cNvPr>
-          <p:cNvSpPr txBox="1"/>
-          <p:nvPr/>
-        </p:nvSpPr>
-        <p:spPr>
-          <a:xfrm>
-            <a:off x="11309963" y="5760398"/>
-            <a:ext cx="2723951" cy="400110"/>
-          </a:xfrm>
-          <a:prstGeom prst="rect">
-            <a:avLst/>
-          </a:prstGeom>
-          <a:noFill/>
-        </p:spPr>
-        <p:txBody>
-          <a:bodyPr wrap="none" rtlCol="0">
-            <a:spAutoFit/>
-          </a:bodyPr>
-          <a:lstStyle/>
-          <a:p>
-            <a:r>
-              <a:rPr lang="en-GB" sz="2000" b="1" dirty="0"/>
-              <a:t>Leaf Area Estimation</a:t>
-            </a:r>
-          </a:p>
-        </p:txBody>
-      </p:sp>
-      <p:pic>
-        <p:nvPicPr>
-          <p:cNvPr id="2050" name="Picture 2049">
-            <a:extLst>
-              <a:ext uri="{FF2B5EF4-FFF2-40B4-BE49-F238E27FC236}">
-                <a16:creationId xmlns:a16="http://schemas.microsoft.com/office/drawing/2014/main" id="{D5B1800E-B8F1-47F0-8ACE-A5175E378083}"/>
-              </a:ext>
-            </a:extLst>
-          </p:cNvPr>
-          <p:cNvPicPr>
-            <a:picLocks noChangeAspect="1"/>
-          </p:cNvPicPr>
-          <p:nvPr/>
-        </p:nvPicPr>
-        <p:blipFill>
-          <a:blip r:embed="rId7"/>
-          <a:stretch>
-            <a:fillRect/>
-          </a:stretch>
-        </p:blipFill>
-        <p:spPr>
-          <a:xfrm>
-            <a:off x="11131572" y="22132321"/>
-            <a:ext cx="6838407" cy="1319191"/>
-          </a:xfrm>
-          <a:prstGeom prst="rect">
-            <a:avLst/>
-          </a:prstGeom>
-        </p:spPr>
-      </p:pic>
-      <p:sp>
-        <p:nvSpPr>
-          <p:cNvPr id="2051" name="TextBox 2050">
-            <a:extLst>
-              <a:ext uri="{FF2B5EF4-FFF2-40B4-BE49-F238E27FC236}">
-                <a16:creationId xmlns:a16="http://schemas.microsoft.com/office/drawing/2014/main" id="{82CD7C75-9807-4A15-AF4F-C7B57DC15697}"/>
-              </a:ext>
-            </a:extLst>
-          </p:cNvPr>
-          <p:cNvSpPr txBox="1"/>
-          <p:nvPr/>
-        </p:nvSpPr>
-        <p:spPr>
-          <a:xfrm>
-            <a:off x="18055302" y="22175405"/>
-            <a:ext cx="3483308" cy="1015663"/>
-          </a:xfrm>
-          <a:prstGeom prst="rect">
-            <a:avLst/>
-          </a:prstGeom>
-          <a:noFill/>
-        </p:spPr>
-        <p:txBody>
-          <a:bodyPr wrap="square" rtlCol="0">
-            <a:spAutoFit/>
-          </a:bodyPr>
-          <a:lstStyle/>
-          <a:p>
-            <a:r>
-              <a:rPr lang="en-GB" sz="1500" dirty="0"/>
-              <a:t>Solved for coefficients using Linear Ridge Regression with alpha factor being 2. Explain why use ridge regression</a:t>
-            </a:r>
-          </a:p>
-        </p:txBody>
-      </p:sp>
-      <p:sp>
-        <p:nvSpPr>
-          <p:cNvPr id="2056" name="TextBox 2055">
-            <a:extLst>
-              <a:ext uri="{FF2B5EF4-FFF2-40B4-BE49-F238E27FC236}">
-                <a16:creationId xmlns:a16="http://schemas.microsoft.com/office/drawing/2014/main" id="{4CB5C5A9-853B-4871-98A6-5BA9584EA016}"/>
-              </a:ext>
-            </a:extLst>
-          </p:cNvPr>
-          <p:cNvSpPr txBox="1"/>
-          <p:nvPr/>
-        </p:nvSpPr>
-        <p:spPr>
-          <a:xfrm>
-            <a:off x="11140895" y="24066449"/>
-            <a:ext cx="3406702" cy="784830"/>
-          </a:xfrm>
-          <a:prstGeom prst="rect">
-            <a:avLst/>
-          </a:prstGeom>
-          <a:noFill/>
-        </p:spPr>
-        <p:txBody>
-          <a:bodyPr wrap="none" rtlCol="0">
-            <a:spAutoFit/>
-          </a:bodyPr>
-          <a:lstStyle/>
-          <a:p>
-            <a:r>
-              <a:rPr lang="en-GB" sz="1500" dirty="0"/>
-              <a:t>Explain significance of results. </a:t>
-            </a:r>
-          </a:p>
-          <a:p>
-            <a:r>
-              <a:rPr lang="en-GB" sz="1500" dirty="0"/>
-              <a:t>In terms of optimizing electrical power</a:t>
-            </a:r>
-          </a:p>
-          <a:p>
-            <a:r>
-              <a:rPr lang="en-GB" sz="1500" dirty="0"/>
-              <a:t>Least amount of fertilizer</a:t>
-            </a:r>
-          </a:p>
-        </p:txBody>
-      </p:sp>
-      <p:sp>
-        <p:nvSpPr>
-          <p:cNvPr id="2057" name="TextBox 2056">
-            <a:extLst>
-              <a:ext uri="{FF2B5EF4-FFF2-40B4-BE49-F238E27FC236}">
-                <a16:creationId xmlns:a16="http://schemas.microsoft.com/office/drawing/2014/main" id="{707158A2-2B74-48D0-AA13-8A385AAC5B1B}"/>
-              </a:ext>
-            </a:extLst>
-          </p:cNvPr>
-          <p:cNvSpPr txBox="1"/>
-          <p:nvPr/>
-        </p:nvSpPr>
-        <p:spPr>
-          <a:xfrm>
-            <a:off x="14550776" y="9155153"/>
-            <a:ext cx="6477545" cy="1015663"/>
-          </a:xfrm>
-          <a:prstGeom prst="rect">
-            <a:avLst/>
-          </a:prstGeom>
-          <a:noFill/>
-        </p:spPr>
-        <p:txBody>
-          <a:bodyPr wrap="square" rtlCol="0">
-            <a:spAutoFit/>
-          </a:bodyPr>
-          <a:lstStyle/>
-          <a:p>
-            <a:pPr algn="just"/>
-            <a:r>
-              <a:rPr lang="en-GB" sz="1500" dirty="0"/>
-              <a:t>From the pictures collected, we identify the pixels belonging to the plants and used that to estimate the average leaf area of plants in each picture. </a:t>
-            </a:r>
-          </a:p>
-          <a:p>
-            <a:pPr algn="just"/>
-            <a:r>
-              <a:rPr lang="en-GB" sz="1500" dirty="0"/>
-              <a:t>Plants exposed to a higher ratio of red light appeared to grow much better, having a higher area after 14 days. </a:t>
-            </a:r>
-          </a:p>
-        </p:txBody>
-      </p:sp>
-      <p:grpSp>
-        <p:nvGrpSpPr>
-          <p:cNvPr id="2066" name="Group 2065">
-            <a:extLst>
-              <a:ext uri="{FF2B5EF4-FFF2-40B4-BE49-F238E27FC236}">
-                <a16:creationId xmlns:a16="http://schemas.microsoft.com/office/drawing/2014/main" id="{8623EF92-5E06-4EA2-8218-0B52F128FFFB}"/>
-              </a:ext>
-            </a:extLst>
-          </p:cNvPr>
-          <p:cNvGrpSpPr/>
-          <p:nvPr/>
-        </p:nvGrpSpPr>
-        <p:grpSpPr>
-          <a:xfrm>
-            <a:off x="11120712" y="16749095"/>
-            <a:ext cx="9139295" cy="4895331"/>
-            <a:chOff x="11373475" y="14271137"/>
-            <a:chExt cx="9139295" cy="4895331"/>
-          </a:xfrm>
-        </p:grpSpPr>
-        <p:grpSp>
-          <p:nvGrpSpPr>
-            <p:cNvPr id="56" name="Group 55">
-              <a:extLst>
-                <a:ext uri="{FF2B5EF4-FFF2-40B4-BE49-F238E27FC236}">
-                  <a16:creationId xmlns:a16="http://schemas.microsoft.com/office/drawing/2014/main" id="{E944A5C4-56F3-49AF-BC65-25CD712AE1A4}"/>
-                </a:ext>
-              </a:extLst>
-            </p:cNvPr>
-            <p:cNvGrpSpPr/>
-            <p:nvPr/>
-          </p:nvGrpSpPr>
-          <p:grpSpPr>
-            <a:xfrm>
-              <a:off x="11373475" y="14271137"/>
-              <a:ext cx="9139295" cy="4895331"/>
-              <a:chOff x="12039600" y="11958030"/>
-              <a:chExt cx="9139295" cy="4895331"/>
-            </a:xfrm>
-          </p:grpSpPr>
-          <p:pic>
-            <p:nvPicPr>
-              <p:cNvPr id="22" name="Picture 21">
-                <a:extLst>
-                  <a:ext uri="{FF2B5EF4-FFF2-40B4-BE49-F238E27FC236}">
-                    <a16:creationId xmlns:a16="http://schemas.microsoft.com/office/drawing/2014/main" id="{1D0F3A32-527D-4787-9345-BBE4B6307DDC}"/>
-                  </a:ext>
-                </a:extLst>
-              </p:cNvPr>
-              <p:cNvPicPr>
-                <a:picLocks noChangeAspect="1"/>
-              </p:cNvPicPr>
-              <p:nvPr/>
-            </p:nvPicPr>
-            <p:blipFill>
-              <a:blip r:embed="rId8">
-                <a:extLst>
-                  <a:ext uri="{28A0092B-C50C-407E-A947-70E740481C1C}">
-                    <a14:useLocalDpi xmlns:a14="http://schemas.microsoft.com/office/drawing/2010/main" val="0"/>
-                  </a:ext>
-                </a:extLst>
-              </a:blip>
-              <a:stretch>
-                <a:fillRect/>
-              </a:stretch>
-            </p:blipFill>
-            <p:spPr>
-              <a:xfrm>
-                <a:off x="12629031" y="12494122"/>
-                <a:ext cx="6584948" cy="4359239"/>
-              </a:xfrm>
-              <a:prstGeom prst="rect">
-                <a:avLst/>
-              </a:prstGeom>
-            </p:spPr>
-          </p:pic>
-          <p:sp>
-            <p:nvSpPr>
-              <p:cNvPr id="7" name="TextBox 6">
-                <a:extLst>
-                  <a:ext uri="{FF2B5EF4-FFF2-40B4-BE49-F238E27FC236}">
-                    <a16:creationId xmlns:a16="http://schemas.microsoft.com/office/drawing/2014/main" id="{1B8691ED-8B17-49E6-B6FD-140EEEF5878E}"/>
-                  </a:ext>
-                </a:extLst>
-              </p:cNvPr>
-              <p:cNvSpPr txBox="1"/>
-              <p:nvPr/>
-            </p:nvSpPr>
-            <p:spPr>
-              <a:xfrm>
-                <a:off x="15067433" y="12487881"/>
-                <a:ext cx="6111462" cy="1015663"/>
-              </a:xfrm>
-              <a:prstGeom prst="rect">
-                <a:avLst/>
-              </a:prstGeom>
-              <a:noFill/>
-            </p:spPr>
-            <p:txBody>
-              <a:bodyPr wrap="square" rtlCol="0">
-                <a:spAutoFit/>
-              </a:bodyPr>
-              <a:lstStyle/>
-              <a:p>
-                <a:pPr algn="just"/>
-                <a:r>
-                  <a:rPr lang="en-GB" sz="1500" dirty="0"/>
-                  <a:t>This figure shows the correlation between the each factor that contributes to the growth rate.</a:t>
-                </a:r>
-              </a:p>
-              <a:p>
-                <a:pPr algn="just"/>
-                <a:r>
-                  <a:rPr lang="en-GB" sz="1500" dirty="0"/>
-                  <a:t>The diagonal is the plot of the distribution of each of the factor.</a:t>
-                </a:r>
-              </a:p>
-              <a:p>
-                <a:pPr algn="just"/>
-                <a:endParaRPr lang="en-GB" sz="1500" dirty="0"/>
-              </a:p>
-            </p:txBody>
-          </p:sp>
-          <p:sp>
-            <p:nvSpPr>
-              <p:cNvPr id="25" name="TextBox 24">
-                <a:extLst>
-                  <a:ext uri="{FF2B5EF4-FFF2-40B4-BE49-F238E27FC236}">
-                    <a16:creationId xmlns:a16="http://schemas.microsoft.com/office/drawing/2014/main" id="{A8BAA34E-BC59-4CD7-97AE-CE9123135D17}"/>
-                  </a:ext>
-                </a:extLst>
-              </p:cNvPr>
-              <p:cNvSpPr txBox="1"/>
-              <p:nvPr/>
-            </p:nvSpPr>
-            <p:spPr>
-              <a:xfrm>
-                <a:off x="12039600" y="11958030"/>
-                <a:ext cx="3300904" cy="400110"/>
-              </a:xfrm>
-              <a:prstGeom prst="rect">
-                <a:avLst/>
-              </a:prstGeom>
-              <a:noFill/>
-            </p:spPr>
-            <p:txBody>
-              <a:bodyPr wrap="none" rtlCol="0">
-                <a:spAutoFit/>
-              </a:bodyPr>
-              <a:lstStyle/>
-              <a:p>
-                <a:r>
-                  <a:rPr lang="en-GB" sz="2000" b="1" dirty="0" err="1"/>
-                  <a:t>Pairplot</a:t>
-                </a:r>
-                <a:r>
-                  <a:rPr lang="en-GB" sz="2000" b="1" dirty="0"/>
-                  <a:t> of growth factors</a:t>
-                </a:r>
-              </a:p>
-            </p:txBody>
-          </p:sp>
-        </p:grpSp>
-        <p:sp>
-          <p:nvSpPr>
-            <p:cNvPr id="2063" name="Rectangle 2062">
-              <a:extLst>
-                <a:ext uri="{FF2B5EF4-FFF2-40B4-BE49-F238E27FC236}">
-                  <a16:creationId xmlns:a16="http://schemas.microsoft.com/office/drawing/2014/main" id="{AC9CE2F8-8451-44BD-9F8D-24B094AE5037}"/>
-                </a:ext>
-              </a:extLst>
-            </p:cNvPr>
-            <p:cNvSpPr/>
-            <p:nvPr/>
-          </p:nvSpPr>
-          <p:spPr>
-            <a:xfrm>
-              <a:off x="15399887" y="15733986"/>
-              <a:ext cx="5112883" cy="1015663"/>
-            </a:xfrm>
-            <a:prstGeom prst="rect">
-              <a:avLst/>
-            </a:prstGeom>
-          </p:spPr>
-          <p:txBody>
-            <a:bodyPr wrap="square">
-              <a:spAutoFit/>
-            </a:bodyPr>
-            <a:lstStyle/>
-            <a:p>
-              <a:pPr algn="just"/>
-              <a:r>
-                <a:rPr lang="en-GB" sz="1500" dirty="0"/>
-                <a:t>Ranking the factors, we can see that time (r=0.70) has the most linear impact on the growth of the leaf area of the plant, followed by EC (r=-0.61) and pH (r=-0.43), before the amount of red (r=0.18) and blue lighting (r=0.27). </a:t>
-              </a:r>
-            </a:p>
-          </p:txBody>
-        </p:sp>
-      </p:grpSp>
-      <p:grpSp>
-        <p:nvGrpSpPr>
-          <p:cNvPr id="2069" name="Group 2068">
-            <a:extLst>
-              <a:ext uri="{FF2B5EF4-FFF2-40B4-BE49-F238E27FC236}">
-                <a16:creationId xmlns:a16="http://schemas.microsoft.com/office/drawing/2014/main" id="{473824FD-AA42-4DEE-AA43-0DA83E96F35E}"/>
-              </a:ext>
-            </a:extLst>
-          </p:cNvPr>
-          <p:cNvGrpSpPr/>
-          <p:nvPr/>
-        </p:nvGrpSpPr>
-        <p:grpSpPr>
-          <a:xfrm>
-            <a:off x="11309963" y="13425765"/>
-            <a:ext cx="10172479" cy="1989123"/>
-            <a:chOff x="11088486" y="14906244"/>
-            <a:chExt cx="10172479" cy="1989123"/>
-          </a:xfrm>
-        </p:grpSpPr>
-        <p:pic>
-          <p:nvPicPr>
-            <p:cNvPr id="1032" name="Picture 8" descr="https://latex.codecogs.com/gif.latex?%5Chuge%20L%20%3D%20L_o%20&amp;plus;%20e%5E%7B%7Ba_1%7D%28R/160-1%29&amp;plus;%7Ba_2%7D%28B/160-1%29&amp;plus;%7Ba_3%7D%28pH/14-1%29&amp;plus;%7Ba_4%7D%28EC/2200-1%29&amp;plus;%7Ba_5%7D%28t/30%29&amp;plus;%7Ba_6%7D%7D">
-              <a:extLst>
-                <a:ext uri="{FF2B5EF4-FFF2-40B4-BE49-F238E27FC236}">
-                  <a16:creationId xmlns:a16="http://schemas.microsoft.com/office/drawing/2014/main" id="{11312873-0D38-46C9-B857-C67C61BD6353}"/>
-                </a:ext>
-              </a:extLst>
-            </p:cNvPr>
-            <p:cNvPicPr>
-              <a:picLocks noChangeAspect="1" noChangeArrowheads="1"/>
-            </p:cNvPicPr>
-            <p:nvPr/>
-          </p:nvPicPr>
-          <p:blipFill>
-            <a:blip r:embed="rId9">
-              <a:extLst>
-                <a:ext uri="{28A0092B-C50C-407E-A947-70E740481C1C}">
-                  <a14:useLocalDpi xmlns:a14="http://schemas.microsoft.com/office/drawing/2010/main" val="0"/>
-                </a:ext>
-              </a:extLst>
-            </a:blip>
-            <a:srcRect/>
-            <a:stretch>
-              <a:fillRect/>
-            </a:stretch>
-          </p:blipFill>
-          <p:spPr bwMode="auto">
-            <a:xfrm>
-              <a:off x="11102200" y="15375091"/>
-              <a:ext cx="9481775" cy="373625"/>
-            </a:xfrm>
-            <a:prstGeom prst="rect">
-              <a:avLst/>
-            </a:prstGeom>
-            <a:noFill/>
-            <a:extLst>
-              <a:ext uri="{909E8E84-426E-40DD-AFC4-6F175D3DCCD1}">
-                <a14:hiddenFill xmlns:a14="http://schemas.microsoft.com/office/drawing/2010/main">
-                  <a:solidFill>
-                    <a:srgbClr val="FFFFFF"/>
-                  </a:solidFill>
-                </a14:hiddenFill>
-              </a:ext>
-            </a:extLst>
-          </p:spPr>
-        </p:pic>
-        <p:sp>
-          <p:nvSpPr>
-            <p:cNvPr id="2064" name="Left Brace 2063">
-              <a:extLst>
-                <a:ext uri="{FF2B5EF4-FFF2-40B4-BE49-F238E27FC236}">
-                  <a16:creationId xmlns:a16="http://schemas.microsoft.com/office/drawing/2014/main" id="{0DA7BA39-66C3-40A4-B293-9353A50C7C3E}"/>
-                </a:ext>
-              </a:extLst>
-            </p:cNvPr>
-            <p:cNvSpPr/>
-            <p:nvPr/>
-          </p:nvSpPr>
-          <p:spPr bwMode="auto">
-            <a:xfrm rot="16200000">
-              <a:off x="13098872" y="15269946"/>
-              <a:ext cx="272545" cy="1171262"/>
-            </a:xfrm>
-            <a:prstGeom prst="leftBrace">
-              <a:avLst/>
-            </a:prstGeom>
-            <a:solidFill>
-              <a:schemeClr val="accent1"/>
-            </a:solidFill>
-            <a:ln w="9525" cap="flat" cmpd="sng" algn="ctr">
-              <a:solidFill>
-                <a:schemeClr val="tx1"/>
-              </a:solidFill>
-              <a:prstDash val="solid"/>
-              <a:round/>
-              <a:headEnd type="none" w="med" len="med"/>
-              <a:tailEnd type="none" w="med" len="med"/>
-            </a:ln>
-            <a:effectLst/>
-          </p:spPr>
-          <p:txBody>
-            <a:bodyPr vert="horz" wrap="square" lIns="91440" tIns="45720" rIns="91440" bIns="45720" numCol="1" rtlCol="0" anchor="t" anchorCtr="0" compatLnSpc="1">
-              <a:prstTxWarp prst="textNoShape">
-                <a:avLst/>
-              </a:prstTxWarp>
-            </a:bodyPr>
-            <a:lstStyle/>
-            <a:p>
-              <a:pPr marL="0" marR="0" indent="0" algn="l" defTabSz="3552825" rtl="0" eaLnBrk="1" fontAlgn="base" latinLnBrk="0" hangingPunct="1">
-                <a:lnSpc>
-                  <a:spcPct val="100000"/>
-                </a:lnSpc>
-                <a:spcBef>
-                  <a:spcPct val="0"/>
-                </a:spcBef>
-                <a:spcAft>
-                  <a:spcPct val="0"/>
-                </a:spcAft>
-                <a:buClrTx/>
-                <a:buSzTx/>
-                <a:buFontTx/>
-                <a:buNone/>
-                <a:tabLst/>
-              </a:pPr>
-              <a:endParaRPr kumimoji="0" lang="en-GB" sz="7000" b="0" i="0" u="none" strike="noStrike" cap="none" normalizeH="0" baseline="0">
-                <a:ln>
-                  <a:noFill/>
-                </a:ln>
-                <a:solidFill>
-                  <a:schemeClr val="tx1"/>
-                </a:solidFill>
-                <a:effectLst/>
-                <a:latin typeface="Arial" charset="0"/>
-              </a:endParaRPr>
-            </a:p>
-          </p:txBody>
-        </p:sp>
-        <p:sp>
-          <p:nvSpPr>
-            <p:cNvPr id="116" name="Left Brace 115">
-              <a:extLst>
-                <a:ext uri="{FF2B5EF4-FFF2-40B4-BE49-F238E27FC236}">
-                  <a16:creationId xmlns:a16="http://schemas.microsoft.com/office/drawing/2014/main" id="{2C31FFB9-C724-44A0-BE66-EBFDAADB1741}"/>
-                </a:ext>
-              </a:extLst>
-            </p:cNvPr>
-            <p:cNvSpPr/>
-            <p:nvPr/>
-          </p:nvSpPr>
-          <p:spPr bwMode="auto">
-            <a:xfrm rot="16200000">
-              <a:off x="14741561" y="15296016"/>
-              <a:ext cx="272545" cy="1171262"/>
-            </a:xfrm>
-            <a:prstGeom prst="leftBrace">
-              <a:avLst/>
-            </a:prstGeom>
-            <a:solidFill>
-              <a:schemeClr val="accent1"/>
-            </a:solidFill>
-            <a:ln w="9525" cap="flat" cmpd="sng" algn="ctr">
-              <a:solidFill>
-                <a:schemeClr val="tx1"/>
-              </a:solidFill>
-              <a:prstDash val="solid"/>
-              <a:round/>
-              <a:headEnd type="none" w="med" len="med"/>
-              <a:tailEnd type="none" w="med" len="med"/>
-            </a:ln>
-            <a:effectLst/>
-          </p:spPr>
-          <p:txBody>
-            <a:bodyPr vert="horz" wrap="square" lIns="91440" tIns="45720" rIns="91440" bIns="45720" numCol="1" rtlCol="0" anchor="t" anchorCtr="0" compatLnSpc="1">
-              <a:prstTxWarp prst="textNoShape">
-                <a:avLst/>
-              </a:prstTxWarp>
-            </a:bodyPr>
-            <a:lstStyle/>
-            <a:p>
-              <a:pPr marL="0" marR="0" indent="0" algn="l" defTabSz="3552825" rtl="0" eaLnBrk="1" fontAlgn="base" latinLnBrk="0" hangingPunct="1">
-                <a:lnSpc>
-                  <a:spcPct val="100000"/>
-                </a:lnSpc>
-                <a:spcBef>
-                  <a:spcPct val="0"/>
-                </a:spcBef>
-                <a:spcAft>
-                  <a:spcPct val="0"/>
-                </a:spcAft>
-                <a:buClrTx/>
-                <a:buSzTx/>
-                <a:buFontTx/>
-                <a:buNone/>
-                <a:tabLst/>
-              </a:pPr>
-              <a:endParaRPr kumimoji="0" lang="en-GB" sz="7000" b="0" i="0" u="none" strike="noStrike" cap="none" normalizeH="0" baseline="0">
-                <a:ln>
-                  <a:noFill/>
-                </a:ln>
-                <a:solidFill>
-                  <a:schemeClr val="tx1"/>
-                </a:solidFill>
-                <a:effectLst/>
-                <a:latin typeface="Arial" charset="0"/>
-              </a:endParaRPr>
-            </a:p>
-          </p:txBody>
-        </p:sp>
-        <p:sp>
-          <p:nvSpPr>
-            <p:cNvPr id="117" name="Left Brace 116">
-              <a:extLst>
-                <a:ext uri="{FF2B5EF4-FFF2-40B4-BE49-F238E27FC236}">
-                  <a16:creationId xmlns:a16="http://schemas.microsoft.com/office/drawing/2014/main" id="{482F6381-B948-45C2-A93F-230C3266A853}"/>
-                </a:ext>
-              </a:extLst>
-            </p:cNvPr>
-            <p:cNvSpPr/>
-            <p:nvPr/>
-          </p:nvSpPr>
-          <p:spPr bwMode="auto">
-            <a:xfrm rot="16200000">
-              <a:off x="16416073" y="15296015"/>
-              <a:ext cx="272545" cy="1171262"/>
-            </a:xfrm>
-            <a:prstGeom prst="leftBrace">
-              <a:avLst/>
-            </a:prstGeom>
-            <a:solidFill>
-              <a:schemeClr val="accent1"/>
-            </a:solidFill>
-            <a:ln w="9525" cap="flat" cmpd="sng" algn="ctr">
-              <a:solidFill>
-                <a:schemeClr val="tx1"/>
-              </a:solidFill>
-              <a:prstDash val="solid"/>
-              <a:round/>
-              <a:headEnd type="none" w="med" len="med"/>
-              <a:tailEnd type="none" w="med" len="med"/>
-            </a:ln>
-            <a:effectLst/>
-          </p:spPr>
-          <p:txBody>
-            <a:bodyPr vert="horz" wrap="square" lIns="91440" tIns="45720" rIns="91440" bIns="45720" numCol="1" rtlCol="0" anchor="t" anchorCtr="0" compatLnSpc="1">
-              <a:prstTxWarp prst="textNoShape">
-                <a:avLst/>
-              </a:prstTxWarp>
-            </a:bodyPr>
-            <a:lstStyle/>
-            <a:p>
-              <a:pPr marL="0" marR="0" indent="0" algn="l" defTabSz="3552825" rtl="0" eaLnBrk="1" fontAlgn="base" latinLnBrk="0" hangingPunct="1">
-                <a:lnSpc>
-                  <a:spcPct val="100000"/>
-                </a:lnSpc>
-                <a:spcBef>
-                  <a:spcPct val="0"/>
-                </a:spcBef>
-                <a:spcAft>
-                  <a:spcPct val="0"/>
-                </a:spcAft>
-                <a:buClrTx/>
-                <a:buSzTx/>
-                <a:buFontTx/>
-                <a:buNone/>
-                <a:tabLst/>
-              </a:pPr>
-              <a:endParaRPr kumimoji="0" lang="en-GB" sz="7000" b="0" i="0" u="none" strike="noStrike" cap="none" normalizeH="0" baseline="0">
-                <a:ln>
-                  <a:noFill/>
-                </a:ln>
-                <a:solidFill>
-                  <a:schemeClr val="tx1"/>
-                </a:solidFill>
-                <a:effectLst/>
-                <a:latin typeface="Arial" charset="0"/>
-              </a:endParaRPr>
-            </a:p>
-          </p:txBody>
-        </p:sp>
-        <p:sp>
-          <p:nvSpPr>
-            <p:cNvPr id="118" name="Left Brace 117">
-              <a:extLst>
-                <a:ext uri="{FF2B5EF4-FFF2-40B4-BE49-F238E27FC236}">
-                  <a16:creationId xmlns:a16="http://schemas.microsoft.com/office/drawing/2014/main" id="{7A91AF30-678B-4230-9F11-79B3E815579F}"/>
-                </a:ext>
-              </a:extLst>
-            </p:cNvPr>
-            <p:cNvSpPr/>
-            <p:nvPr/>
-          </p:nvSpPr>
-          <p:spPr bwMode="auto">
-            <a:xfrm rot="16200000">
-              <a:off x="18192228" y="15296015"/>
-              <a:ext cx="272545" cy="1171262"/>
-            </a:xfrm>
-            <a:prstGeom prst="leftBrace">
-              <a:avLst/>
-            </a:prstGeom>
-            <a:solidFill>
-              <a:schemeClr val="accent1"/>
-            </a:solidFill>
-            <a:ln w="9525" cap="flat" cmpd="sng" algn="ctr">
-              <a:solidFill>
-                <a:schemeClr val="tx1"/>
-              </a:solidFill>
-              <a:prstDash val="solid"/>
-              <a:round/>
-              <a:headEnd type="none" w="med" len="med"/>
-              <a:tailEnd type="none" w="med" len="med"/>
-            </a:ln>
-            <a:effectLst/>
-          </p:spPr>
-          <p:txBody>
-            <a:bodyPr vert="horz" wrap="square" lIns="91440" tIns="45720" rIns="91440" bIns="45720" numCol="1" rtlCol="0" anchor="t" anchorCtr="0" compatLnSpc="1">
-              <a:prstTxWarp prst="textNoShape">
-                <a:avLst/>
-              </a:prstTxWarp>
-            </a:bodyPr>
-            <a:lstStyle/>
-            <a:p>
-              <a:pPr marL="0" marR="0" indent="0" algn="l" defTabSz="3552825" rtl="0" eaLnBrk="1" fontAlgn="base" latinLnBrk="0" hangingPunct="1">
-                <a:lnSpc>
-                  <a:spcPct val="100000"/>
-                </a:lnSpc>
-                <a:spcBef>
-                  <a:spcPct val="0"/>
-                </a:spcBef>
-                <a:spcAft>
-                  <a:spcPct val="0"/>
-                </a:spcAft>
-                <a:buClrTx/>
-                <a:buSzTx/>
-                <a:buFontTx/>
-                <a:buNone/>
-                <a:tabLst/>
-              </a:pPr>
-              <a:endParaRPr kumimoji="0" lang="en-GB" sz="7000" b="0" i="0" u="none" strike="noStrike" cap="none" normalizeH="0" baseline="0">
-                <a:ln>
-                  <a:noFill/>
-                </a:ln>
-                <a:solidFill>
-                  <a:schemeClr val="tx1"/>
-                </a:solidFill>
-                <a:effectLst/>
-                <a:latin typeface="Arial" charset="0"/>
-              </a:endParaRPr>
-            </a:p>
-          </p:txBody>
-        </p:sp>
-        <p:sp>
-          <p:nvSpPr>
-            <p:cNvPr id="119" name="Left Brace 118">
-              <a:extLst>
-                <a:ext uri="{FF2B5EF4-FFF2-40B4-BE49-F238E27FC236}">
-                  <a16:creationId xmlns:a16="http://schemas.microsoft.com/office/drawing/2014/main" id="{BE96F94F-3998-4509-B767-CA1CEFD448F2}"/>
-                </a:ext>
-              </a:extLst>
-            </p:cNvPr>
-            <p:cNvSpPr/>
-            <p:nvPr/>
-          </p:nvSpPr>
-          <p:spPr bwMode="auto">
-            <a:xfrm rot="16200000">
-              <a:off x="19637155" y="15561347"/>
-              <a:ext cx="333166" cy="697261"/>
-            </a:xfrm>
-            <a:prstGeom prst="leftBrace">
-              <a:avLst>
-                <a:gd name="adj1" fmla="val 8333"/>
-                <a:gd name="adj2" fmla="val 50000"/>
-              </a:avLst>
-            </a:prstGeom>
-            <a:solidFill>
-              <a:schemeClr val="accent1"/>
-            </a:solidFill>
-            <a:ln w="9525" cap="flat" cmpd="sng" algn="ctr">
-              <a:solidFill>
-                <a:schemeClr val="tx1"/>
-              </a:solidFill>
-              <a:prstDash val="solid"/>
-              <a:round/>
-              <a:headEnd type="none" w="med" len="med"/>
-              <a:tailEnd type="none" w="med" len="med"/>
-            </a:ln>
-            <a:effectLst/>
-          </p:spPr>
-          <p:txBody>
-            <a:bodyPr vert="horz" wrap="square" lIns="91440" tIns="45720" rIns="91440" bIns="45720" numCol="1" rtlCol="0" anchor="t" anchorCtr="0" compatLnSpc="1">
-              <a:prstTxWarp prst="textNoShape">
-                <a:avLst/>
-              </a:prstTxWarp>
-            </a:bodyPr>
-            <a:lstStyle/>
-            <a:p>
-              <a:pPr marL="0" marR="0" indent="0" algn="l" defTabSz="3552825" rtl="0" eaLnBrk="1" fontAlgn="base" latinLnBrk="0" hangingPunct="1">
-                <a:lnSpc>
-                  <a:spcPct val="100000"/>
-                </a:lnSpc>
-                <a:spcBef>
-                  <a:spcPct val="0"/>
-                </a:spcBef>
-                <a:spcAft>
-                  <a:spcPct val="0"/>
-                </a:spcAft>
-                <a:buClrTx/>
-                <a:buSzTx/>
-                <a:buFontTx/>
-                <a:buNone/>
-                <a:tabLst/>
-              </a:pPr>
-              <a:endParaRPr kumimoji="0" lang="en-GB" sz="7000" b="0" i="0" u="none" strike="noStrike" cap="none" normalizeH="0" baseline="0">
-                <a:ln>
-                  <a:noFill/>
-                </a:ln>
-                <a:solidFill>
-                  <a:schemeClr val="tx1"/>
-                </a:solidFill>
-                <a:effectLst/>
-                <a:latin typeface="Arial" charset="0"/>
-              </a:endParaRPr>
-            </a:p>
-          </p:txBody>
-        </p:sp>
-        <p:sp>
-          <p:nvSpPr>
-            <p:cNvPr id="120" name="Left Brace 119">
-              <a:extLst>
-                <a:ext uri="{FF2B5EF4-FFF2-40B4-BE49-F238E27FC236}">
-                  <a16:creationId xmlns:a16="http://schemas.microsoft.com/office/drawing/2014/main" id="{31DBD507-A73E-4BBB-B26F-5148D38E3972}"/>
-                </a:ext>
-              </a:extLst>
-            </p:cNvPr>
-            <p:cNvSpPr/>
-            <p:nvPr/>
-          </p:nvSpPr>
-          <p:spPr bwMode="auto">
-            <a:xfrm rot="16200000">
-              <a:off x="20366742" y="15665841"/>
-              <a:ext cx="276499" cy="431609"/>
-            </a:xfrm>
-            <a:prstGeom prst="leftBrace">
-              <a:avLst/>
-            </a:prstGeom>
-            <a:solidFill>
-              <a:schemeClr val="accent1"/>
-            </a:solidFill>
-            <a:ln w="9525" cap="flat" cmpd="sng" algn="ctr">
-              <a:solidFill>
-                <a:schemeClr val="tx1"/>
-              </a:solidFill>
-              <a:prstDash val="solid"/>
-              <a:round/>
-              <a:headEnd type="none" w="med" len="med"/>
-              <a:tailEnd type="none" w="med" len="med"/>
-            </a:ln>
-            <a:effectLst/>
-          </p:spPr>
-          <p:txBody>
-            <a:bodyPr vert="horz" wrap="square" lIns="91440" tIns="45720" rIns="91440" bIns="45720" numCol="1" rtlCol="0" anchor="t" anchorCtr="0" compatLnSpc="1">
-              <a:prstTxWarp prst="textNoShape">
-                <a:avLst/>
-              </a:prstTxWarp>
-            </a:bodyPr>
-            <a:lstStyle/>
-            <a:p>
-              <a:pPr marL="0" marR="0" indent="0" algn="l" defTabSz="3552825" rtl="0" eaLnBrk="1" fontAlgn="base" latinLnBrk="0" hangingPunct="1">
-                <a:lnSpc>
-                  <a:spcPct val="100000"/>
-                </a:lnSpc>
-                <a:spcBef>
-                  <a:spcPct val="0"/>
-                </a:spcBef>
-                <a:spcAft>
-                  <a:spcPct val="0"/>
-                </a:spcAft>
-                <a:buClrTx/>
-                <a:buSzTx/>
-                <a:buFontTx/>
-                <a:buNone/>
-                <a:tabLst/>
-              </a:pPr>
-              <a:endParaRPr kumimoji="0" lang="en-GB" sz="7000" b="0" i="0" u="none" strike="noStrike" cap="none" normalizeH="0" baseline="0">
-                <a:ln>
-                  <a:noFill/>
-                </a:ln>
-                <a:solidFill>
-                  <a:schemeClr val="tx1"/>
-                </a:solidFill>
-                <a:effectLst/>
-                <a:latin typeface="Arial" charset="0"/>
-              </a:endParaRPr>
-            </a:p>
-          </p:txBody>
-        </p:sp>
-        <p:sp>
-          <p:nvSpPr>
-            <p:cNvPr id="2065" name="TextBox 2064">
-              <a:extLst>
-                <a:ext uri="{FF2B5EF4-FFF2-40B4-BE49-F238E27FC236}">
-                  <a16:creationId xmlns:a16="http://schemas.microsoft.com/office/drawing/2014/main" id="{270D9C9C-8750-4DCC-8679-D68057A13971}"/>
-                </a:ext>
-              </a:extLst>
-            </p:cNvPr>
-            <p:cNvSpPr txBox="1"/>
-            <p:nvPr/>
-          </p:nvSpPr>
-          <p:spPr>
-            <a:xfrm>
-              <a:off x="12333820" y="16139106"/>
-              <a:ext cx="1960565" cy="553998"/>
-            </a:xfrm>
-            <a:prstGeom prst="rect">
-              <a:avLst/>
-            </a:prstGeom>
-            <a:noFill/>
-          </p:spPr>
-          <p:txBody>
-            <a:bodyPr wrap="square" rtlCol="0">
-              <a:spAutoFit/>
-            </a:bodyPr>
-            <a:lstStyle/>
-            <a:p>
-              <a:r>
-                <a:rPr lang="en-GB" sz="1000" dirty="0"/>
-                <a:t>Normalized response to Red lighting levels</a:t>
-              </a:r>
-            </a:p>
-            <a:p>
-              <a:r>
-                <a:rPr lang="en-GB" sz="1000" dirty="0"/>
-                <a:t>(averaged PPFD over the day)</a:t>
-              </a:r>
-            </a:p>
-          </p:txBody>
-        </p:sp>
-        <p:sp>
-          <p:nvSpPr>
-            <p:cNvPr id="122" name="TextBox 121">
-              <a:extLst>
-                <a:ext uri="{FF2B5EF4-FFF2-40B4-BE49-F238E27FC236}">
-                  <a16:creationId xmlns:a16="http://schemas.microsoft.com/office/drawing/2014/main" id="{31589941-3AC7-4860-91B2-7FD5BA7F6D8D}"/>
-                </a:ext>
-              </a:extLst>
-            </p:cNvPr>
-            <p:cNvSpPr txBox="1"/>
-            <p:nvPr/>
-          </p:nvSpPr>
-          <p:spPr>
-            <a:xfrm>
-              <a:off x="14119671" y="16126128"/>
-              <a:ext cx="1960565" cy="553998"/>
-            </a:xfrm>
-            <a:prstGeom prst="rect">
-              <a:avLst/>
-            </a:prstGeom>
-            <a:noFill/>
-          </p:spPr>
-          <p:txBody>
-            <a:bodyPr wrap="square" rtlCol="0">
-              <a:spAutoFit/>
-            </a:bodyPr>
-            <a:lstStyle/>
-            <a:p>
-              <a:r>
-                <a:rPr lang="en-GB" sz="1000" dirty="0"/>
-                <a:t>Normalized response to Blue lighting levels</a:t>
-              </a:r>
-            </a:p>
-            <a:p>
-              <a:r>
-                <a:rPr lang="en-GB" sz="1000" dirty="0"/>
-                <a:t>(averaged PPFD over the day)</a:t>
-              </a:r>
-            </a:p>
-          </p:txBody>
-        </p:sp>
-        <p:sp>
-          <p:nvSpPr>
-            <p:cNvPr id="124" name="TextBox 123">
-              <a:extLst>
-                <a:ext uri="{FF2B5EF4-FFF2-40B4-BE49-F238E27FC236}">
-                  <a16:creationId xmlns:a16="http://schemas.microsoft.com/office/drawing/2014/main" id="{CA189860-2A16-48F3-9C56-1972D751A4E8}"/>
-                </a:ext>
-              </a:extLst>
-            </p:cNvPr>
-            <p:cNvSpPr txBox="1"/>
-            <p:nvPr/>
-          </p:nvSpPr>
-          <p:spPr>
-            <a:xfrm>
-              <a:off x="16074568" y="16150160"/>
-              <a:ext cx="1279098" cy="553998"/>
-            </a:xfrm>
-            <a:prstGeom prst="rect">
-              <a:avLst/>
-            </a:prstGeom>
-            <a:noFill/>
-          </p:spPr>
-          <p:txBody>
-            <a:bodyPr wrap="square" rtlCol="0">
-              <a:spAutoFit/>
-            </a:bodyPr>
-            <a:lstStyle/>
-            <a:p>
-              <a:r>
-                <a:rPr lang="en-GB" sz="1000" dirty="0"/>
-                <a:t>Normalized response to pH levels</a:t>
-              </a:r>
-            </a:p>
-          </p:txBody>
-        </p:sp>
-        <p:sp>
-          <p:nvSpPr>
-            <p:cNvPr id="125" name="TextBox 124">
-              <a:extLst>
-                <a:ext uri="{FF2B5EF4-FFF2-40B4-BE49-F238E27FC236}">
-                  <a16:creationId xmlns:a16="http://schemas.microsoft.com/office/drawing/2014/main" id="{47C607E0-899E-4CB7-A6AA-CC00CABD0C10}"/>
-                </a:ext>
-              </a:extLst>
-            </p:cNvPr>
-            <p:cNvSpPr txBox="1"/>
-            <p:nvPr/>
-          </p:nvSpPr>
-          <p:spPr>
-            <a:xfrm>
-              <a:off x="17866087" y="16136298"/>
-              <a:ext cx="1279098" cy="553998"/>
-            </a:xfrm>
-            <a:prstGeom prst="rect">
-              <a:avLst/>
-            </a:prstGeom>
-            <a:noFill/>
-          </p:spPr>
-          <p:txBody>
-            <a:bodyPr wrap="square" rtlCol="0">
-              <a:spAutoFit/>
-            </a:bodyPr>
-            <a:lstStyle/>
-            <a:p>
-              <a:r>
-                <a:rPr lang="en-GB" sz="1000" dirty="0"/>
-                <a:t>Normalized response to EC levels</a:t>
-              </a:r>
-            </a:p>
-          </p:txBody>
-        </p:sp>
-        <p:sp>
-          <p:nvSpPr>
-            <p:cNvPr id="126" name="TextBox 125">
-              <a:extLst>
-                <a:ext uri="{FF2B5EF4-FFF2-40B4-BE49-F238E27FC236}">
-                  <a16:creationId xmlns:a16="http://schemas.microsoft.com/office/drawing/2014/main" id="{070555A1-DD48-47FD-8D65-4ABBD67F023F}"/>
-                </a:ext>
-              </a:extLst>
-            </p:cNvPr>
-            <p:cNvSpPr txBox="1"/>
-            <p:nvPr/>
-          </p:nvSpPr>
-          <p:spPr>
-            <a:xfrm>
-              <a:off x="19139517" y="16187481"/>
-              <a:ext cx="1279098" cy="400110"/>
-            </a:xfrm>
-            <a:prstGeom prst="rect">
-              <a:avLst/>
-            </a:prstGeom>
-            <a:noFill/>
-          </p:spPr>
-          <p:txBody>
-            <a:bodyPr wrap="square" rtlCol="0">
-              <a:spAutoFit/>
-            </a:bodyPr>
-            <a:lstStyle/>
-            <a:p>
-              <a:r>
-                <a:rPr lang="en-GB" sz="1000" dirty="0"/>
-                <a:t>Natural Growth Rate of Lettuce</a:t>
-              </a:r>
-            </a:p>
-          </p:txBody>
-        </p:sp>
-        <p:sp>
-          <p:nvSpPr>
-            <p:cNvPr id="127" name="TextBox 126">
-              <a:extLst>
-                <a:ext uri="{FF2B5EF4-FFF2-40B4-BE49-F238E27FC236}">
-                  <a16:creationId xmlns:a16="http://schemas.microsoft.com/office/drawing/2014/main" id="{7DD6CCA1-7E82-4A66-AFE1-82ECBDCA481C}"/>
-                </a:ext>
-              </a:extLst>
-            </p:cNvPr>
-            <p:cNvSpPr txBox="1"/>
-            <p:nvPr/>
-          </p:nvSpPr>
-          <p:spPr>
-            <a:xfrm>
-              <a:off x="20180627" y="16187481"/>
-              <a:ext cx="1080338" cy="707886"/>
-            </a:xfrm>
-            <a:prstGeom prst="rect">
-              <a:avLst/>
-            </a:prstGeom>
-            <a:noFill/>
-          </p:spPr>
-          <p:txBody>
-            <a:bodyPr wrap="square" rtlCol="0">
-              <a:spAutoFit/>
-            </a:bodyPr>
-            <a:lstStyle/>
-            <a:p>
-              <a:r>
-                <a:rPr lang="en-GB" sz="1000" dirty="0"/>
-                <a:t>Contribution from other non controllable factors</a:t>
-              </a:r>
-            </a:p>
-          </p:txBody>
-        </p:sp>
-        <p:sp>
-          <p:nvSpPr>
-            <p:cNvPr id="129" name="Left Brace 128">
-              <a:extLst>
-                <a:ext uri="{FF2B5EF4-FFF2-40B4-BE49-F238E27FC236}">
-                  <a16:creationId xmlns:a16="http://schemas.microsoft.com/office/drawing/2014/main" id="{3D4AD41B-601B-4FE2-B2E0-256B3FB10FF0}"/>
-                </a:ext>
-              </a:extLst>
-            </p:cNvPr>
-            <p:cNvSpPr/>
-            <p:nvPr/>
-          </p:nvSpPr>
-          <p:spPr bwMode="auto">
-            <a:xfrm rot="5400000">
-              <a:off x="11173653" y="15083709"/>
-              <a:ext cx="206216" cy="376549"/>
-            </a:xfrm>
-            <a:prstGeom prst="leftBrace">
-              <a:avLst/>
-            </a:prstGeom>
-            <a:solidFill>
-              <a:schemeClr val="accent1"/>
-            </a:solidFill>
-            <a:ln w="9525" cap="flat" cmpd="sng" algn="ctr">
-              <a:solidFill>
-                <a:schemeClr val="tx1"/>
-              </a:solidFill>
-              <a:prstDash val="solid"/>
-              <a:round/>
-              <a:headEnd type="none" w="med" len="med"/>
-              <a:tailEnd type="none" w="med" len="med"/>
-            </a:ln>
-            <a:effectLst/>
-          </p:spPr>
-          <p:txBody>
-            <a:bodyPr vert="horz" wrap="square" lIns="91440" tIns="45720" rIns="91440" bIns="45720" numCol="1" rtlCol="0" anchor="t" anchorCtr="0" compatLnSpc="1">
-              <a:prstTxWarp prst="textNoShape">
-                <a:avLst/>
-              </a:prstTxWarp>
-            </a:bodyPr>
-            <a:lstStyle/>
-            <a:p>
-              <a:pPr marL="0" marR="0" indent="0" algn="l" defTabSz="3552825" rtl="0" eaLnBrk="1" fontAlgn="base" latinLnBrk="0" hangingPunct="1">
-                <a:lnSpc>
-                  <a:spcPct val="100000"/>
-                </a:lnSpc>
-                <a:spcBef>
-                  <a:spcPct val="0"/>
-                </a:spcBef>
-                <a:spcAft>
-                  <a:spcPct val="0"/>
-                </a:spcAft>
-                <a:buClrTx/>
-                <a:buSzTx/>
-                <a:buFontTx/>
-                <a:buNone/>
-                <a:tabLst/>
-              </a:pPr>
-              <a:endParaRPr kumimoji="0" lang="en-GB" sz="7000" b="0" i="0" u="none" strike="noStrike" cap="none" normalizeH="0" baseline="0">
-                <a:ln>
-                  <a:noFill/>
-                </a:ln>
-                <a:solidFill>
-                  <a:schemeClr val="tx1"/>
-                </a:solidFill>
-                <a:effectLst/>
-                <a:latin typeface="Arial" charset="0"/>
-              </a:endParaRPr>
-            </a:p>
-          </p:txBody>
-        </p:sp>
-        <p:sp>
-          <p:nvSpPr>
-            <p:cNvPr id="130" name="Left Brace 129">
-              <a:extLst>
-                <a:ext uri="{FF2B5EF4-FFF2-40B4-BE49-F238E27FC236}">
-                  <a16:creationId xmlns:a16="http://schemas.microsoft.com/office/drawing/2014/main" id="{B9D7AB5A-20F4-4615-B050-EF5FD9D968BE}"/>
-                </a:ext>
-              </a:extLst>
-            </p:cNvPr>
-            <p:cNvSpPr/>
-            <p:nvPr/>
-          </p:nvSpPr>
-          <p:spPr bwMode="auto">
-            <a:xfrm rot="16200000">
-              <a:off x="11773515" y="15690599"/>
-              <a:ext cx="206216" cy="376549"/>
-            </a:xfrm>
-            <a:prstGeom prst="leftBrace">
-              <a:avLst/>
-            </a:prstGeom>
-            <a:solidFill>
-              <a:schemeClr val="accent1"/>
-            </a:solidFill>
-            <a:ln w="9525" cap="flat" cmpd="sng" algn="ctr">
-              <a:solidFill>
-                <a:schemeClr val="tx1"/>
-              </a:solidFill>
-              <a:prstDash val="solid"/>
-              <a:round/>
-              <a:headEnd type="none" w="med" len="med"/>
-              <a:tailEnd type="none" w="med" len="med"/>
-            </a:ln>
-            <a:effectLst/>
-          </p:spPr>
-          <p:txBody>
-            <a:bodyPr vert="horz" wrap="square" lIns="91440" tIns="45720" rIns="91440" bIns="45720" numCol="1" rtlCol="0" anchor="t" anchorCtr="0" compatLnSpc="1">
-              <a:prstTxWarp prst="textNoShape">
-                <a:avLst/>
-              </a:prstTxWarp>
-            </a:bodyPr>
-            <a:lstStyle/>
-            <a:p>
-              <a:pPr marL="0" marR="0" indent="0" algn="l" defTabSz="3552825" rtl="0" eaLnBrk="1" fontAlgn="base" latinLnBrk="0" hangingPunct="1">
-                <a:lnSpc>
-                  <a:spcPct val="100000"/>
-                </a:lnSpc>
-                <a:spcBef>
-                  <a:spcPct val="0"/>
-                </a:spcBef>
-                <a:spcAft>
-                  <a:spcPct val="0"/>
-                </a:spcAft>
-                <a:buClrTx/>
-                <a:buSzTx/>
-                <a:buFontTx/>
-                <a:buNone/>
-                <a:tabLst/>
-              </a:pPr>
-              <a:endParaRPr kumimoji="0" lang="en-GB" sz="7000" b="0" i="0" u="none" strike="noStrike" cap="none" normalizeH="0" baseline="0">
-                <a:ln>
-                  <a:noFill/>
-                </a:ln>
-                <a:solidFill>
-                  <a:schemeClr val="tx1"/>
-                </a:solidFill>
-                <a:effectLst/>
-                <a:latin typeface="Arial" charset="0"/>
-              </a:endParaRPr>
-            </a:p>
-          </p:txBody>
-        </p:sp>
-        <p:sp>
-          <p:nvSpPr>
-            <p:cNvPr id="2068" name="TextBox 2067">
-              <a:extLst>
-                <a:ext uri="{FF2B5EF4-FFF2-40B4-BE49-F238E27FC236}">
-                  <a16:creationId xmlns:a16="http://schemas.microsoft.com/office/drawing/2014/main" id="{E8C1F43F-EBE1-4BBF-B5AB-6D6288DBE67E}"/>
-                </a:ext>
-              </a:extLst>
-            </p:cNvPr>
-            <p:cNvSpPr txBox="1"/>
-            <p:nvPr/>
-          </p:nvSpPr>
-          <p:spPr>
-            <a:xfrm>
-              <a:off x="11160523" y="14906244"/>
-              <a:ext cx="1282723" cy="246221"/>
-            </a:xfrm>
-            <a:prstGeom prst="rect">
-              <a:avLst/>
-            </a:prstGeom>
-            <a:noFill/>
-          </p:spPr>
-          <p:txBody>
-            <a:bodyPr wrap="none" rtlCol="0">
-              <a:spAutoFit/>
-            </a:bodyPr>
-            <a:lstStyle/>
-            <a:p>
-              <a:r>
-                <a:rPr lang="en-GB" sz="1000" dirty="0"/>
-                <a:t>Estimated leaf area</a:t>
-              </a:r>
-            </a:p>
-          </p:txBody>
-        </p:sp>
-        <p:sp>
-          <p:nvSpPr>
-            <p:cNvPr id="132" name="TextBox 131">
-              <a:extLst>
-                <a:ext uri="{FF2B5EF4-FFF2-40B4-BE49-F238E27FC236}">
-                  <a16:creationId xmlns:a16="http://schemas.microsoft.com/office/drawing/2014/main" id="{E8F27CED-7309-4FB1-A7CA-887C1D32F0B5}"/>
-                </a:ext>
-              </a:extLst>
-            </p:cNvPr>
-            <p:cNvSpPr txBox="1"/>
-            <p:nvPr/>
-          </p:nvSpPr>
-          <p:spPr>
-            <a:xfrm>
-              <a:off x="11335746" y="16126128"/>
-              <a:ext cx="1081754" cy="707886"/>
-            </a:xfrm>
-            <a:prstGeom prst="rect">
-              <a:avLst/>
-            </a:prstGeom>
-            <a:noFill/>
-          </p:spPr>
-          <p:txBody>
-            <a:bodyPr wrap="square" rtlCol="0">
-              <a:spAutoFit/>
-            </a:bodyPr>
-            <a:lstStyle/>
-            <a:p>
-              <a:r>
-                <a:rPr lang="en-GB" sz="1000" dirty="0"/>
-                <a:t>Initial leaf area </a:t>
-              </a:r>
-            </a:p>
-            <a:p>
-              <a:r>
-                <a:rPr lang="en-GB" sz="1000" dirty="0"/>
-                <a:t>(set as 7.5cm2 from pictorial data)</a:t>
-              </a:r>
-            </a:p>
-          </p:txBody>
-        </p:sp>
-      </p:grpSp>
-      <p:sp>
-        <p:nvSpPr>
-          <p:cNvPr id="134" name="TextBox 133">
-            <a:extLst>
-              <a:ext uri="{FF2B5EF4-FFF2-40B4-BE49-F238E27FC236}">
-                <a16:creationId xmlns:a16="http://schemas.microsoft.com/office/drawing/2014/main" id="{4AF8ECF5-B25C-4C1B-912F-5538F28FFB57}"/>
-              </a:ext>
-            </a:extLst>
-          </p:cNvPr>
-          <p:cNvSpPr txBox="1"/>
-          <p:nvPr/>
-        </p:nvSpPr>
-        <p:spPr>
-          <a:xfrm>
-            <a:off x="11329012" y="15448151"/>
-            <a:ext cx="9718358" cy="323165"/>
-          </a:xfrm>
-          <a:prstGeom prst="rect">
-            <a:avLst/>
-          </a:prstGeom>
-          <a:noFill/>
-        </p:spPr>
-        <p:txBody>
-          <a:bodyPr wrap="square" rtlCol="0">
-            <a:spAutoFit/>
-          </a:bodyPr>
-          <a:lstStyle/>
-          <a:p>
-            <a:r>
-              <a:rPr lang="en-GB" sz="1500" dirty="0"/>
-              <a:t>We are interested in the </a:t>
-            </a:r>
-          </a:p>
-        </p:txBody>
-      </p:sp>
-    </p:spTree>
-  </p:cSld>
-  <p:clrMapOvr>
-    <a:masterClrMapping/>
-  </p:clrMapOvr>
-</p:sld>
-</file>
-
-<file path=ppt/slides/slide4.xml><?xml version="1.0" encoding="utf-8"?>
-<p:sld xmlns:a="http://schemas.openxmlformats.org/drawingml/2006/main" xmlns:r="http://schemas.openxmlformats.org/officeDocument/2006/relationships" xmlns:p="http://schemas.openxmlformats.org/presentationml/2006/main">
-  <p:cSld>
-    <p:spTree>
-      <p:nvGrpSpPr>
-        <p:cNvPr id="1" name=""/>
-        <p:cNvGrpSpPr/>
-        <p:nvPr/>
-      </p:nvGrpSpPr>
-      <p:grpSpPr>
-        <a:xfrm>
-          <a:off x="0" y="0"/>
-          <a:ext cx="0" cy="0"/>
-          <a:chOff x="0" y="0"/>
-          <a:chExt cx="0" cy="0"/>
-        </a:xfrm>
-      </p:grpSpPr>
-      <p:grpSp>
-        <p:nvGrpSpPr>
-          <p:cNvPr id="4" name="Group 3">
-            <a:extLst>
-              <a:ext uri="{FF2B5EF4-FFF2-40B4-BE49-F238E27FC236}">
-                <a16:creationId xmlns:a16="http://schemas.microsoft.com/office/drawing/2014/main" id="{A9BD1C32-847E-4A19-9411-4B3C544BA98C}"/>
-              </a:ext>
-            </a:extLst>
-          </p:cNvPr>
-          <p:cNvGrpSpPr/>
-          <p:nvPr/>
-        </p:nvGrpSpPr>
-        <p:grpSpPr>
-          <a:xfrm>
-            <a:off x="13563600" y="2286000"/>
-            <a:ext cx="6702137" cy="3696413"/>
-            <a:chOff x="11490844" y="6248543"/>
-            <a:chExt cx="6702137" cy="3696413"/>
-          </a:xfrm>
-        </p:grpSpPr>
-        <p:pic>
-          <p:nvPicPr>
-            <p:cNvPr id="5" name="Picture 4">
-              <a:extLst>
-                <a:ext uri="{FF2B5EF4-FFF2-40B4-BE49-F238E27FC236}">
-                  <a16:creationId xmlns:a16="http://schemas.microsoft.com/office/drawing/2014/main" id="{DA079697-8CE1-4F76-8934-DFDEE16DF4CC}"/>
-                </a:ext>
-              </a:extLst>
-            </p:cNvPr>
-            <p:cNvPicPr>
-              <a:picLocks noChangeAspect="1"/>
-            </p:cNvPicPr>
-            <p:nvPr/>
-          </p:nvPicPr>
-          <p:blipFill>
-            <a:blip r:embed="rId3" cstate="print">
-              <a:extLst>
-                <a:ext uri="{28A0092B-C50C-407E-A947-70E740481C1C}">
-                  <a14:useLocalDpi xmlns:a14="http://schemas.microsoft.com/office/drawing/2010/main" val="0"/>
-                </a:ext>
-              </a:extLst>
-            </a:blip>
-            <a:stretch>
-              <a:fillRect/>
-            </a:stretch>
-          </p:blipFill>
-          <p:spPr>
-            <a:xfrm>
-              <a:off x="15900143" y="7054686"/>
-              <a:ext cx="2292838" cy="1719629"/>
-            </a:xfrm>
-            <a:prstGeom prst="rect">
-              <a:avLst/>
-            </a:prstGeom>
-          </p:spPr>
-        </p:pic>
-        <p:pic>
-          <p:nvPicPr>
-            <p:cNvPr id="6" name="Picture 5">
-              <a:extLst>
-                <a:ext uri="{FF2B5EF4-FFF2-40B4-BE49-F238E27FC236}">
-                  <a16:creationId xmlns:a16="http://schemas.microsoft.com/office/drawing/2014/main" id="{7DE3A1F8-9EC4-4552-8023-C3FE3244BD3B}"/>
-                </a:ext>
-              </a:extLst>
-            </p:cNvPr>
-            <p:cNvPicPr>
-              <a:picLocks noChangeAspect="1"/>
-            </p:cNvPicPr>
-            <p:nvPr/>
-          </p:nvPicPr>
-          <p:blipFill>
-            <a:blip r:embed="rId4" cstate="print">
-              <a:extLst>
-                <a:ext uri="{28A0092B-C50C-407E-A947-70E740481C1C}">
-                  <a14:useLocalDpi xmlns:a14="http://schemas.microsoft.com/office/drawing/2010/main" val="0"/>
-                </a:ext>
-              </a:extLst>
-            </a:blip>
-            <a:stretch>
-              <a:fillRect/>
-            </a:stretch>
-          </p:blipFill>
-          <p:spPr>
-            <a:xfrm>
-              <a:off x="13445574" y="6428101"/>
-              <a:ext cx="2220549" cy="1665411"/>
-            </a:xfrm>
-            <a:prstGeom prst="rect">
-              <a:avLst/>
-            </a:prstGeom>
-          </p:spPr>
-        </p:pic>
-        <p:pic>
-          <p:nvPicPr>
-            <p:cNvPr id="7" name="Picture 6">
-              <a:extLst>
-                <a:ext uri="{FF2B5EF4-FFF2-40B4-BE49-F238E27FC236}">
-                  <a16:creationId xmlns:a16="http://schemas.microsoft.com/office/drawing/2014/main" id="{2C5DAA30-6D84-4A31-BA5A-FBC317877FAD}"/>
-                </a:ext>
-              </a:extLst>
-            </p:cNvPr>
-            <p:cNvPicPr>
-              <a:picLocks noChangeAspect="1"/>
-            </p:cNvPicPr>
-            <p:nvPr/>
-          </p:nvPicPr>
-          <p:blipFill>
-            <a:blip r:embed="rId5" cstate="print">
-              <a:extLst>
-                <a:ext uri="{28A0092B-C50C-407E-A947-70E740481C1C}">
-                  <a14:useLocalDpi xmlns:a14="http://schemas.microsoft.com/office/drawing/2010/main" val="0"/>
-                </a:ext>
-              </a:extLst>
-            </a:blip>
-            <a:stretch>
-              <a:fillRect/>
-            </a:stretch>
-          </p:blipFill>
-          <p:spPr>
-            <a:xfrm>
-              <a:off x="13776703" y="8641315"/>
-              <a:ext cx="1738189" cy="1303641"/>
-            </a:xfrm>
-            <a:prstGeom prst="rect">
-              <a:avLst/>
-            </a:prstGeom>
-          </p:spPr>
-        </p:pic>
-        <p:pic>
-          <p:nvPicPr>
-            <p:cNvPr id="8" name="Picture 7">
-              <a:extLst>
-                <a:ext uri="{FF2B5EF4-FFF2-40B4-BE49-F238E27FC236}">
-                  <a16:creationId xmlns:a16="http://schemas.microsoft.com/office/drawing/2014/main" id="{66FDF2BB-D6AF-4027-940E-4C0E35CDC7E5}"/>
-                </a:ext>
-              </a:extLst>
-            </p:cNvPr>
-            <p:cNvPicPr>
-              <a:picLocks noChangeAspect="1"/>
-            </p:cNvPicPr>
-            <p:nvPr/>
-          </p:nvPicPr>
-          <p:blipFill>
-            <a:blip r:embed="rId6" cstate="print">
-              <a:extLst>
-                <a:ext uri="{28A0092B-C50C-407E-A947-70E740481C1C}">
-                  <a14:useLocalDpi xmlns:a14="http://schemas.microsoft.com/office/drawing/2010/main" val="0"/>
-                </a:ext>
-              </a:extLst>
-            </a:blip>
-            <a:stretch>
-              <a:fillRect/>
-            </a:stretch>
-          </p:blipFill>
-          <p:spPr>
-            <a:xfrm>
-              <a:off x="11490844" y="7276211"/>
-              <a:ext cx="1712420" cy="1284314"/>
-            </a:xfrm>
-            <a:prstGeom prst="rect">
-              <a:avLst/>
-            </a:prstGeom>
-          </p:spPr>
-        </p:pic>
-        <p:sp>
-          <p:nvSpPr>
-            <p:cNvPr id="9" name="TextBox 8">
-              <a:extLst>
-                <a:ext uri="{FF2B5EF4-FFF2-40B4-BE49-F238E27FC236}">
-                  <a16:creationId xmlns:a16="http://schemas.microsoft.com/office/drawing/2014/main" id="{42507869-C896-477D-A521-64ECD4E2040F}"/>
-                </a:ext>
-              </a:extLst>
-            </p:cNvPr>
-            <p:cNvSpPr txBox="1"/>
-            <p:nvPr/>
-          </p:nvSpPr>
-          <p:spPr>
-            <a:xfrm>
-              <a:off x="11627569" y="6883714"/>
-              <a:ext cx="1468672" cy="323165"/>
-            </a:xfrm>
-            <a:prstGeom prst="rect">
-              <a:avLst/>
-            </a:prstGeom>
-            <a:noFill/>
-          </p:spPr>
-          <p:txBody>
-            <a:bodyPr wrap="none" rtlCol="0">
-              <a:spAutoFit/>
-            </a:bodyPr>
-            <a:lstStyle/>
-            <a:p>
-              <a:r>
-                <a:rPr lang="en-GB" sz="1500" dirty="0"/>
-                <a:t>1. Raw Images</a:t>
-              </a:r>
-            </a:p>
-          </p:txBody>
-        </p:sp>
-        <p:sp>
-          <p:nvSpPr>
-            <p:cNvPr id="10" name="TextBox 9">
-              <a:extLst>
-                <a:ext uri="{FF2B5EF4-FFF2-40B4-BE49-F238E27FC236}">
-                  <a16:creationId xmlns:a16="http://schemas.microsoft.com/office/drawing/2014/main" id="{27D55C2D-47A1-45E1-8B46-A97113CF44B9}"/>
-                </a:ext>
-              </a:extLst>
-            </p:cNvPr>
-            <p:cNvSpPr txBox="1"/>
-            <p:nvPr/>
-          </p:nvSpPr>
-          <p:spPr>
-            <a:xfrm>
-              <a:off x="13604320" y="8270783"/>
-              <a:ext cx="2068195" cy="323165"/>
-            </a:xfrm>
-            <a:prstGeom prst="rect">
-              <a:avLst/>
-            </a:prstGeom>
-            <a:noFill/>
-          </p:spPr>
-          <p:txBody>
-            <a:bodyPr wrap="none" rtlCol="0">
-              <a:spAutoFit/>
-            </a:bodyPr>
-            <a:lstStyle/>
-            <a:p>
-              <a:r>
-                <a:rPr lang="en-GB" sz="1500" dirty="0"/>
-                <a:t>4. Segmented Images</a:t>
-              </a:r>
-            </a:p>
-          </p:txBody>
-        </p:sp>
-        <p:sp>
-          <p:nvSpPr>
-            <p:cNvPr id="11" name="TextBox 10">
-              <a:extLst>
-                <a:ext uri="{FF2B5EF4-FFF2-40B4-BE49-F238E27FC236}">
-                  <a16:creationId xmlns:a16="http://schemas.microsoft.com/office/drawing/2014/main" id="{A987AA17-C140-4C84-8118-590EC662C2BF}"/>
-                </a:ext>
-              </a:extLst>
-            </p:cNvPr>
-            <p:cNvSpPr txBox="1"/>
-            <p:nvPr/>
-          </p:nvSpPr>
-          <p:spPr>
-            <a:xfrm>
-              <a:off x="13596803" y="6248543"/>
-              <a:ext cx="1918089" cy="323165"/>
-            </a:xfrm>
-            <a:prstGeom prst="rect">
-              <a:avLst/>
-            </a:prstGeom>
-            <a:noFill/>
-          </p:spPr>
-          <p:txBody>
-            <a:bodyPr wrap="none" rtlCol="0">
-              <a:spAutoFit/>
-            </a:bodyPr>
-            <a:lstStyle/>
-            <a:p>
-              <a:r>
-                <a:rPr lang="en-GB" sz="1500" dirty="0"/>
-                <a:t>2. K Means Analysis</a:t>
-              </a:r>
-            </a:p>
-          </p:txBody>
-        </p:sp>
-        <p:sp>
-          <p:nvSpPr>
-            <p:cNvPr id="12" name="TextBox 11">
-              <a:extLst>
-                <a:ext uri="{FF2B5EF4-FFF2-40B4-BE49-F238E27FC236}">
-                  <a16:creationId xmlns:a16="http://schemas.microsoft.com/office/drawing/2014/main" id="{03AABC71-FC1A-4FBF-AFA9-386B74EF9B68}"/>
-                </a:ext>
-              </a:extLst>
-            </p:cNvPr>
-            <p:cNvSpPr txBox="1"/>
-            <p:nvPr/>
-          </p:nvSpPr>
-          <p:spPr>
-            <a:xfrm>
-              <a:off x="16022881" y="6685002"/>
-              <a:ext cx="1960319" cy="553998"/>
-            </a:xfrm>
-            <a:prstGeom prst="rect">
-              <a:avLst/>
-            </a:prstGeom>
-            <a:noFill/>
-          </p:spPr>
-          <p:txBody>
-            <a:bodyPr wrap="square" rtlCol="0">
-              <a:spAutoFit/>
-            </a:bodyPr>
-            <a:lstStyle/>
-            <a:p>
-              <a:r>
-                <a:rPr lang="en-GB" sz="1500" dirty="0"/>
-                <a:t>3. Threshold based</a:t>
-              </a:r>
-            </a:p>
-            <a:p>
-              <a:r>
-                <a:rPr lang="en-GB" sz="1500" dirty="0"/>
-                <a:t>     cluster separation</a:t>
-              </a:r>
-            </a:p>
-          </p:txBody>
-        </p:sp>
-        <p:cxnSp>
-          <p:nvCxnSpPr>
-            <p:cNvPr id="13" name="Straight Arrow Connector 12">
-              <a:extLst>
-                <a:ext uri="{FF2B5EF4-FFF2-40B4-BE49-F238E27FC236}">
-                  <a16:creationId xmlns:a16="http://schemas.microsoft.com/office/drawing/2014/main" id="{D5E3B90E-998F-4087-8711-EE7013DA325A}"/>
-                </a:ext>
-              </a:extLst>
-            </p:cNvPr>
-            <p:cNvCxnSpPr>
-              <a:cxnSpLocks/>
-              <a:stCxn id="9" idx="3"/>
-              <a:endCxn id="11" idx="1"/>
-            </p:cNvCxnSpPr>
-            <p:nvPr/>
-          </p:nvCxnSpPr>
-          <p:spPr bwMode="auto">
-            <a:xfrm flipV="1">
-              <a:off x="13096241" y="6410126"/>
-              <a:ext cx="500562" cy="635171"/>
-            </a:xfrm>
-            <a:prstGeom prst="straightConnector1">
-              <a:avLst/>
-            </a:prstGeom>
-            <a:solidFill>
-              <a:schemeClr val="accent1"/>
-            </a:solidFill>
-            <a:ln w="9525" cap="flat" cmpd="sng" algn="ctr">
-              <a:solidFill>
-                <a:schemeClr val="tx1"/>
-              </a:solidFill>
-              <a:prstDash val="solid"/>
-              <a:round/>
-              <a:headEnd type="none" w="med" len="med"/>
-              <a:tailEnd type="triangle"/>
-            </a:ln>
-            <a:effectLst/>
-          </p:spPr>
-        </p:cxnSp>
-        <p:cxnSp>
-          <p:nvCxnSpPr>
-            <p:cNvPr id="14" name="Straight Arrow Connector 13">
-              <a:extLst>
-                <a:ext uri="{FF2B5EF4-FFF2-40B4-BE49-F238E27FC236}">
-                  <a16:creationId xmlns:a16="http://schemas.microsoft.com/office/drawing/2014/main" id="{BAD05567-7829-47BD-911E-E413981F1FB0}"/>
-                </a:ext>
-              </a:extLst>
-            </p:cNvPr>
-            <p:cNvCxnSpPr>
-              <a:cxnSpLocks/>
-              <a:stCxn id="11" idx="3"/>
-              <a:endCxn id="12" idx="1"/>
-            </p:cNvCxnSpPr>
-            <p:nvPr/>
-          </p:nvCxnSpPr>
-          <p:spPr bwMode="auto">
-            <a:xfrm>
-              <a:off x="15514892" y="6410126"/>
-              <a:ext cx="507989" cy="551875"/>
-            </a:xfrm>
-            <a:prstGeom prst="straightConnector1">
-              <a:avLst/>
-            </a:prstGeom>
-            <a:solidFill>
-              <a:schemeClr val="accent1"/>
-            </a:solidFill>
-            <a:ln w="9525" cap="flat" cmpd="sng" algn="ctr">
-              <a:solidFill>
-                <a:schemeClr val="tx1"/>
-              </a:solidFill>
-              <a:prstDash val="solid"/>
-              <a:round/>
-              <a:headEnd type="none" w="med" len="med"/>
-              <a:tailEnd type="triangle"/>
-            </a:ln>
-            <a:effectLst/>
-          </p:spPr>
-        </p:cxnSp>
-        <p:cxnSp>
-          <p:nvCxnSpPr>
-            <p:cNvPr id="15" name="Straight Arrow Connector 14">
-              <a:extLst>
-                <a:ext uri="{FF2B5EF4-FFF2-40B4-BE49-F238E27FC236}">
-                  <a16:creationId xmlns:a16="http://schemas.microsoft.com/office/drawing/2014/main" id="{D6DA39EF-6594-452D-A29B-515160678932}"/>
-                </a:ext>
-              </a:extLst>
-            </p:cNvPr>
-            <p:cNvCxnSpPr>
-              <a:cxnSpLocks/>
-              <a:stCxn id="5" idx="1"/>
-              <a:endCxn id="10" idx="0"/>
-            </p:cNvCxnSpPr>
-            <p:nvPr/>
-          </p:nvCxnSpPr>
-          <p:spPr bwMode="auto">
-            <a:xfrm flipH="1">
-              <a:off x="14638418" y="7914501"/>
-              <a:ext cx="1261725" cy="356282"/>
-            </a:xfrm>
-            <a:prstGeom prst="straightConnector1">
-              <a:avLst/>
-            </a:prstGeom>
-            <a:solidFill>
-              <a:schemeClr val="accent1"/>
-            </a:solidFill>
-            <a:ln w="9525" cap="flat" cmpd="sng" algn="ctr">
-              <a:solidFill>
-                <a:schemeClr val="tx1"/>
-              </a:solidFill>
-              <a:prstDash val="solid"/>
-              <a:round/>
-              <a:headEnd type="none" w="med" len="med"/>
-              <a:tailEnd type="triangle"/>
-            </a:ln>
-            <a:effectLst/>
-          </p:spPr>
-        </p:cxnSp>
-      </p:grpSp>
-      <p:pic>
-        <p:nvPicPr>
-          <p:cNvPr id="17" name="Picture 16">
-            <a:extLst>
-              <a:ext uri="{FF2B5EF4-FFF2-40B4-BE49-F238E27FC236}">
-                <a16:creationId xmlns:a16="http://schemas.microsoft.com/office/drawing/2014/main" id="{A6D1A9CB-B767-4006-98F9-2AFC1E8CEC8E}"/>
-              </a:ext>
-            </a:extLst>
-          </p:cNvPr>
-          <p:cNvPicPr>
-            <a:picLocks noChangeAspect="1"/>
-          </p:cNvPicPr>
-          <p:nvPr/>
-        </p:nvPicPr>
-        <p:blipFill>
-          <a:blip r:embed="rId7">
-            <a:extLst>
-              <a:ext uri="{28A0092B-C50C-407E-A947-70E740481C1C}">
-                <a14:useLocalDpi xmlns:a14="http://schemas.microsoft.com/office/drawing/2010/main" val="0"/>
-              </a:ext>
-            </a:extLst>
-          </a:blip>
-          <a:stretch>
-            <a:fillRect/>
-          </a:stretch>
-        </p:blipFill>
-        <p:spPr>
-          <a:xfrm>
-            <a:off x="5479754" y="15971694"/>
-            <a:ext cx="13716027" cy="9080010"/>
-          </a:xfrm>
-          <a:prstGeom prst="rect">
-            <a:avLst/>
-          </a:prstGeom>
-        </p:spPr>
-      </p:pic>
-      <p:pic>
-        <p:nvPicPr>
-          <p:cNvPr id="19" name="Picture 18">
-            <a:extLst>
-              <a:ext uri="{FF2B5EF4-FFF2-40B4-BE49-F238E27FC236}">
-                <a16:creationId xmlns:a16="http://schemas.microsoft.com/office/drawing/2014/main" id="{873894C3-C69B-41C5-A435-6234F9BA01D4}"/>
-              </a:ext>
-            </a:extLst>
-          </p:cNvPr>
-          <p:cNvPicPr>
-            <a:picLocks noChangeAspect="1"/>
-          </p:cNvPicPr>
-          <p:nvPr/>
-        </p:nvPicPr>
-        <p:blipFill>
-          <a:blip r:embed="rId8">
-            <a:extLst>
-              <a:ext uri="{28A0092B-C50C-407E-A947-70E740481C1C}">
-                <a14:useLocalDpi xmlns:a14="http://schemas.microsoft.com/office/drawing/2010/main" val="0"/>
-              </a:ext>
-            </a:extLst>
-          </a:blip>
-          <a:stretch>
-            <a:fillRect/>
-          </a:stretch>
-        </p:blipFill>
-        <p:spPr>
-          <a:xfrm>
-            <a:off x="997824" y="6362320"/>
-            <a:ext cx="10241255" cy="7015259"/>
-          </a:xfrm>
-          <a:prstGeom prst="rect">
-            <a:avLst/>
-          </a:prstGeom>
-        </p:spPr>
-      </p:pic>
-      <p:grpSp>
-        <p:nvGrpSpPr>
-          <p:cNvPr id="25" name="Group 24">
-            <a:extLst>
-              <a:ext uri="{FF2B5EF4-FFF2-40B4-BE49-F238E27FC236}">
-                <a16:creationId xmlns:a16="http://schemas.microsoft.com/office/drawing/2014/main" id="{C8AE6D66-7161-4038-992E-0E37B1FBB19A}"/>
-              </a:ext>
-            </a:extLst>
-          </p:cNvPr>
-          <p:cNvGrpSpPr/>
-          <p:nvPr/>
-        </p:nvGrpSpPr>
-        <p:grpSpPr>
-          <a:xfrm>
-            <a:off x="11887200" y="10078830"/>
-            <a:ext cx="8772093" cy="6008883"/>
-            <a:chOff x="11887200" y="10078830"/>
-            <a:chExt cx="8772093" cy="6008883"/>
-          </a:xfrm>
-        </p:grpSpPr>
-        <p:pic>
-          <p:nvPicPr>
-            <p:cNvPr id="20" name="Picture 19">
-              <a:extLst>
-                <a:ext uri="{FF2B5EF4-FFF2-40B4-BE49-F238E27FC236}">
-                  <a16:creationId xmlns:a16="http://schemas.microsoft.com/office/drawing/2014/main" id="{A0BAE2E9-EED0-41F1-AF7A-0C75DE6F3875}"/>
-                </a:ext>
-              </a:extLst>
-            </p:cNvPr>
-            <p:cNvPicPr>
-              <a:picLocks noChangeAspect="1"/>
-            </p:cNvPicPr>
-            <p:nvPr/>
-          </p:nvPicPr>
-          <p:blipFill>
-            <a:blip r:embed="rId9">
-              <a:extLst>
-                <a:ext uri="{28A0092B-C50C-407E-A947-70E740481C1C}">
-                  <a14:useLocalDpi xmlns:a14="http://schemas.microsoft.com/office/drawing/2010/main" val="0"/>
-                </a:ext>
-              </a:extLst>
-            </a:blip>
-            <a:stretch>
-              <a:fillRect/>
-            </a:stretch>
-          </p:blipFill>
-          <p:spPr>
-            <a:xfrm>
-              <a:off x="11887200" y="10078830"/>
-              <a:ext cx="8772093" cy="6008883"/>
-            </a:xfrm>
-            <a:prstGeom prst="rect">
-              <a:avLst/>
-            </a:prstGeom>
-          </p:spPr>
-        </p:pic>
-        <p:sp>
-          <p:nvSpPr>
-            <p:cNvPr id="21" name="TextBox 20">
-              <a:extLst>
-                <a:ext uri="{FF2B5EF4-FFF2-40B4-BE49-F238E27FC236}">
-                  <a16:creationId xmlns:a16="http://schemas.microsoft.com/office/drawing/2014/main" id="{EC65ADF8-95AC-4C65-AAAD-0113313E17CB}"/>
-                </a:ext>
-              </a:extLst>
-            </p:cNvPr>
-            <p:cNvSpPr txBox="1"/>
-            <p:nvPr/>
-          </p:nvSpPr>
-          <p:spPr>
-            <a:xfrm>
-              <a:off x="13182600" y="11767974"/>
-              <a:ext cx="1552518" cy="261610"/>
-            </a:xfrm>
-            <a:prstGeom prst="rect">
-              <a:avLst/>
-            </a:prstGeom>
-            <a:noFill/>
-          </p:spPr>
-          <p:txBody>
-            <a:bodyPr wrap="square" rtlCol="0">
-              <a:spAutoFit/>
-            </a:bodyPr>
-            <a:lstStyle/>
-            <a:p>
-              <a:r>
-                <a:rPr lang="en-GB" sz="1100" dirty="0"/>
-                <a:t>Top Panel (2</a:t>
-              </a:r>
-              <a:r>
-                <a:rPr lang="en-GB" sz="1100" baseline="30000" dirty="0"/>
-                <a:t>nd</a:t>
-              </a:r>
-              <a:r>
-                <a:rPr lang="en-GB" sz="1100" dirty="0"/>
-                <a:t> batch)</a:t>
-              </a:r>
-            </a:p>
-          </p:txBody>
-        </p:sp>
-        <p:sp>
-          <p:nvSpPr>
-            <p:cNvPr id="22" name="TextBox 21">
-              <a:extLst>
-                <a:ext uri="{FF2B5EF4-FFF2-40B4-BE49-F238E27FC236}">
-                  <a16:creationId xmlns:a16="http://schemas.microsoft.com/office/drawing/2014/main" id="{FCC1F14F-4CAD-48FD-9918-561F474634C2}"/>
-                </a:ext>
-              </a:extLst>
-            </p:cNvPr>
-            <p:cNvSpPr txBox="1"/>
-            <p:nvPr/>
-          </p:nvSpPr>
-          <p:spPr>
-            <a:xfrm>
-              <a:off x="15333170" y="11491393"/>
-              <a:ext cx="1552518" cy="261610"/>
-            </a:xfrm>
-            <a:prstGeom prst="rect">
-              <a:avLst/>
-            </a:prstGeom>
-            <a:noFill/>
-          </p:spPr>
-          <p:txBody>
-            <a:bodyPr wrap="square" rtlCol="0">
-              <a:spAutoFit/>
-            </a:bodyPr>
-            <a:lstStyle/>
-            <a:p>
-              <a:r>
-                <a:rPr lang="en-GB" sz="1100" dirty="0"/>
-                <a:t>Mid Panel (2</a:t>
-              </a:r>
-              <a:r>
-                <a:rPr lang="en-GB" sz="1100" baseline="30000" dirty="0"/>
-                <a:t>nd</a:t>
-              </a:r>
-              <a:r>
-                <a:rPr lang="en-GB" sz="1100" dirty="0"/>
-                <a:t> batch)</a:t>
-              </a:r>
-            </a:p>
-          </p:txBody>
-        </p:sp>
-        <p:sp>
-          <p:nvSpPr>
-            <p:cNvPr id="23" name="TextBox 22">
-              <a:extLst>
-                <a:ext uri="{FF2B5EF4-FFF2-40B4-BE49-F238E27FC236}">
-                  <a16:creationId xmlns:a16="http://schemas.microsoft.com/office/drawing/2014/main" id="{A11FE121-CABE-4506-ACBB-88BD530506BC}"/>
-                </a:ext>
-              </a:extLst>
-            </p:cNvPr>
-            <p:cNvSpPr txBox="1"/>
-            <p:nvPr/>
-          </p:nvSpPr>
-          <p:spPr>
-            <a:xfrm>
-              <a:off x="16969012" y="11326979"/>
-              <a:ext cx="1552518" cy="261610"/>
-            </a:xfrm>
-            <a:prstGeom prst="rect">
-              <a:avLst/>
-            </a:prstGeom>
-            <a:noFill/>
-          </p:spPr>
-          <p:txBody>
-            <a:bodyPr wrap="square" rtlCol="0">
-              <a:spAutoFit/>
-            </a:bodyPr>
-            <a:lstStyle/>
-            <a:p>
-              <a:r>
-                <a:rPr lang="en-GB" sz="1100" dirty="0"/>
-                <a:t>Bot Panel (2</a:t>
-              </a:r>
-              <a:r>
-                <a:rPr lang="en-GB" sz="1100" baseline="30000" dirty="0"/>
-                <a:t>nd</a:t>
-              </a:r>
-              <a:r>
-                <a:rPr lang="en-GB" sz="1100" dirty="0"/>
-                <a:t> batch)</a:t>
-              </a:r>
-            </a:p>
-          </p:txBody>
-        </p:sp>
-        <p:sp>
-          <p:nvSpPr>
-            <p:cNvPr id="24" name="TextBox 23">
-              <a:extLst>
-                <a:ext uri="{FF2B5EF4-FFF2-40B4-BE49-F238E27FC236}">
-                  <a16:creationId xmlns:a16="http://schemas.microsoft.com/office/drawing/2014/main" id="{6298CDEB-5CF3-450F-8E4D-BE170DE9CF4A}"/>
-                </a:ext>
-              </a:extLst>
-            </p:cNvPr>
-            <p:cNvSpPr txBox="1"/>
-            <p:nvPr/>
-          </p:nvSpPr>
-          <p:spPr>
-            <a:xfrm>
-              <a:off x="18343059" y="14562519"/>
-              <a:ext cx="1552518" cy="261610"/>
-            </a:xfrm>
-            <a:prstGeom prst="rect">
-              <a:avLst/>
-            </a:prstGeom>
-            <a:noFill/>
-          </p:spPr>
-          <p:txBody>
-            <a:bodyPr wrap="square" rtlCol="0">
-              <a:spAutoFit/>
-            </a:bodyPr>
-            <a:lstStyle/>
-            <a:p>
-              <a:r>
-                <a:rPr lang="en-GB" sz="1100" dirty="0"/>
-                <a:t>Top Panel (1</a:t>
-              </a:r>
-              <a:r>
-                <a:rPr lang="en-GB" sz="1100" baseline="30000" dirty="0"/>
-                <a:t>nd</a:t>
-              </a:r>
-              <a:r>
-                <a:rPr lang="en-GB" sz="1100" dirty="0"/>
-                <a:t> batch)</a:t>
-              </a:r>
-            </a:p>
-          </p:txBody>
-        </p:sp>
-      </p:grpSp>
-    </p:spTree>
-    <p:extLst>
-      <p:ext uri="{BB962C8B-B14F-4D97-AF65-F5344CB8AC3E}">
-        <p14:creationId xmlns:p14="http://schemas.microsoft.com/office/powerpoint/2010/main" val="2978391377"/>
       </p:ext>
     </p:extLst>
   </p:cSld>
